--- a/CSharpProgramming/Presentations/Inheritance.pptx
+++ b/CSharpProgramming/Presentations/Inheritance.pptx
@@ -25,27 +25,32 @@
     <p:sldId id="397" r:id="rId19"/>
     <p:sldId id="398" r:id="rId20"/>
     <p:sldId id="399" r:id="rId21"/>
-    <p:sldId id="402" r:id="rId22"/>
-    <p:sldId id="400" r:id="rId23"/>
-    <p:sldId id="403" r:id="rId24"/>
-    <p:sldId id="404" r:id="rId25"/>
-    <p:sldId id="405" r:id="rId26"/>
-    <p:sldId id="406" r:id="rId27"/>
-    <p:sldId id="407" r:id="rId28"/>
-    <p:sldId id="408" r:id="rId29"/>
-    <p:sldId id="409" r:id="rId30"/>
-    <p:sldId id="411" r:id="rId31"/>
-    <p:sldId id="412" r:id="rId32"/>
-    <p:sldId id="413" r:id="rId33"/>
-    <p:sldId id="410" r:id="rId34"/>
-    <p:sldId id="414" r:id="rId35"/>
-    <p:sldId id="415" r:id="rId36"/>
-    <p:sldId id="417" r:id="rId37"/>
-    <p:sldId id="416" r:id="rId38"/>
-    <p:sldId id="418" r:id="rId39"/>
-    <p:sldId id="419" r:id="rId40"/>
-    <p:sldId id="420" r:id="rId41"/>
-    <p:sldId id="421" r:id="rId42"/>
+    <p:sldId id="422" r:id="rId22"/>
+    <p:sldId id="402" r:id="rId23"/>
+    <p:sldId id="400" r:id="rId24"/>
+    <p:sldId id="403" r:id="rId25"/>
+    <p:sldId id="404" r:id="rId26"/>
+    <p:sldId id="405" r:id="rId27"/>
+    <p:sldId id="406" r:id="rId28"/>
+    <p:sldId id="407" r:id="rId29"/>
+    <p:sldId id="408" r:id="rId30"/>
+    <p:sldId id="423" r:id="rId31"/>
+    <p:sldId id="409" r:id="rId32"/>
+    <p:sldId id="411" r:id="rId33"/>
+    <p:sldId id="412" r:id="rId34"/>
+    <p:sldId id="413" r:id="rId35"/>
+    <p:sldId id="410" r:id="rId36"/>
+    <p:sldId id="424" r:id="rId37"/>
+    <p:sldId id="414" r:id="rId38"/>
+    <p:sldId id="415" r:id="rId39"/>
+    <p:sldId id="417" r:id="rId40"/>
+    <p:sldId id="416" r:id="rId41"/>
+    <p:sldId id="418" r:id="rId42"/>
+    <p:sldId id="425" r:id="rId43"/>
+    <p:sldId id="419" r:id="rId44"/>
+    <p:sldId id="420" r:id="rId45"/>
+    <p:sldId id="421" r:id="rId46"/>
+    <p:sldId id="426" r:id="rId47"/>
   </p:sldIdLst>
   <p:sldSz cx="12192000" cy="6858000"/>
   <p:notesSz cx="6858000" cy="9144000"/>
@@ -283,7 +288,7 @@
           <a:p>
             <a:fld id="{E15B7D8E-2A20-4C0E-991C-872DBB7459A8}" type="datetimeFigureOut">
               <a:rPr lang="da-DK" smtClean="0"/>
-              <a:t>16-10-2017</a:t>
+              <a:t>25-10-2017</a:t>
             </a:fld>
             <a:endParaRPr lang="da-DK"/>
           </a:p>
@@ -453,7 +458,7 @@
           <a:p>
             <a:fld id="{E15B7D8E-2A20-4C0E-991C-872DBB7459A8}" type="datetimeFigureOut">
               <a:rPr lang="da-DK" smtClean="0"/>
-              <a:t>16-10-2017</a:t>
+              <a:t>25-10-2017</a:t>
             </a:fld>
             <a:endParaRPr lang="da-DK"/>
           </a:p>
@@ -633,7 +638,7 @@
           <a:p>
             <a:fld id="{E15B7D8E-2A20-4C0E-991C-872DBB7459A8}" type="datetimeFigureOut">
               <a:rPr lang="da-DK" smtClean="0"/>
-              <a:t>16-10-2017</a:t>
+              <a:t>25-10-2017</a:t>
             </a:fld>
             <a:endParaRPr lang="da-DK"/>
           </a:p>
@@ -803,7 +808,7 @@
           <a:p>
             <a:fld id="{E15B7D8E-2A20-4C0E-991C-872DBB7459A8}" type="datetimeFigureOut">
               <a:rPr lang="da-DK" smtClean="0"/>
-              <a:t>16-10-2017</a:t>
+              <a:t>25-10-2017</a:t>
             </a:fld>
             <a:endParaRPr lang="da-DK"/>
           </a:p>
@@ -1049,7 +1054,7 @@
           <a:p>
             <a:fld id="{E15B7D8E-2A20-4C0E-991C-872DBB7459A8}" type="datetimeFigureOut">
               <a:rPr lang="da-DK" smtClean="0"/>
-              <a:t>16-10-2017</a:t>
+              <a:t>25-10-2017</a:t>
             </a:fld>
             <a:endParaRPr lang="da-DK"/>
           </a:p>
@@ -1281,7 +1286,7 @@
           <a:p>
             <a:fld id="{E15B7D8E-2A20-4C0E-991C-872DBB7459A8}" type="datetimeFigureOut">
               <a:rPr lang="da-DK" smtClean="0"/>
-              <a:t>16-10-2017</a:t>
+              <a:t>25-10-2017</a:t>
             </a:fld>
             <a:endParaRPr lang="da-DK"/>
           </a:p>
@@ -1648,7 +1653,7 @@
           <a:p>
             <a:fld id="{E15B7D8E-2A20-4C0E-991C-872DBB7459A8}" type="datetimeFigureOut">
               <a:rPr lang="da-DK" smtClean="0"/>
-              <a:t>16-10-2017</a:t>
+              <a:t>25-10-2017</a:t>
             </a:fld>
             <a:endParaRPr lang="da-DK"/>
           </a:p>
@@ -1766,7 +1771,7 @@
           <a:p>
             <a:fld id="{E15B7D8E-2A20-4C0E-991C-872DBB7459A8}" type="datetimeFigureOut">
               <a:rPr lang="da-DK" smtClean="0"/>
-              <a:t>16-10-2017</a:t>
+              <a:t>25-10-2017</a:t>
             </a:fld>
             <a:endParaRPr lang="da-DK"/>
           </a:p>
@@ -1861,7 +1866,7 @@
           <a:p>
             <a:fld id="{E15B7D8E-2A20-4C0E-991C-872DBB7459A8}" type="datetimeFigureOut">
               <a:rPr lang="da-DK" smtClean="0"/>
-              <a:t>16-10-2017</a:t>
+              <a:t>25-10-2017</a:t>
             </a:fld>
             <a:endParaRPr lang="da-DK"/>
           </a:p>
@@ -2138,7 +2143,7 @@
           <a:p>
             <a:fld id="{E15B7D8E-2A20-4C0E-991C-872DBB7459A8}" type="datetimeFigureOut">
               <a:rPr lang="da-DK" smtClean="0"/>
-              <a:t>16-10-2017</a:t>
+              <a:t>25-10-2017</a:t>
             </a:fld>
             <a:endParaRPr lang="da-DK"/>
           </a:p>
@@ -2391,7 +2396,7 @@
           <a:p>
             <a:fld id="{E15B7D8E-2A20-4C0E-991C-872DBB7459A8}" type="datetimeFigureOut">
               <a:rPr lang="da-DK" smtClean="0"/>
-              <a:t>16-10-2017</a:t>
+              <a:t>25-10-2017</a:t>
             </a:fld>
             <a:endParaRPr lang="da-DK"/>
           </a:p>
@@ -2604,7 +2609,7 @@
           <a:p>
             <a:fld id="{E15B7D8E-2A20-4C0E-991C-872DBB7459A8}" type="datetimeFigureOut">
               <a:rPr lang="da-DK" smtClean="0"/>
-              <a:t>16-10-2017</a:t>
+              <a:t>25-10-2017</a:t>
             </a:fld>
             <a:endParaRPr lang="da-DK"/>
           </a:p>
@@ -3027,13 +3032,20 @@
         </p:spPr>
         <p:txBody>
           <a:bodyPr>
-            <a:normAutofit/>
+            <a:normAutofit fontScale="90000"/>
           </a:bodyPr>
           <a:lstStyle/>
           <a:p>
             <a:r>
               <a:rPr lang="da-DK" sz="9600" smtClean="0"/>
               <a:t>Inheritance</a:t>
+            </a:r>
+            <a:br>
+              <a:rPr lang="da-DK" sz="9600" smtClean="0"/>
+            </a:br>
+            <a:r>
+              <a:rPr lang="da-DK" sz="9600" smtClean="0"/>
+              <a:t>(nedarvning)</a:t>
             </a:r>
             <a:endParaRPr lang="da-DK" sz="9600"/>
           </a:p>
@@ -3203,11 +3215,11 @@
   <p:clrMapOvr>
     <a:masterClrMapping/>
   </p:clrMapOvr>
-  <mc:AlternateContent xmlns:mc="http://schemas.openxmlformats.org/markup-compatibility/2006">
-    <mc:Choice xmlns:p14="http://schemas.microsoft.com/office/powerpoint/2010/main" Requires="p14">
+  <mc:AlternateContent xmlns:mc="http://schemas.openxmlformats.org/markup-compatibility/2006" xmlns:p14="http://schemas.microsoft.com/office/powerpoint/2010/main">
+    <mc:Choice Requires="p14">
       <p:transition p14:dur="0"/>
     </mc:Choice>
-    <mc:Fallback>
+    <mc:Fallback xmlns="">
       <p:transition/>
     </mc:Fallback>
   </mc:AlternateContent>
@@ -3469,13 +3481,7 @@
               <a:rPr lang="en-US" sz="3600" b="1">
                 <a:latin typeface="Consolas" panose="020B0609020204030204" pitchFamily="49" charset="0"/>
               </a:rPr>
-              <a:t> </a:t>
-            </a:r>
-            <a:r>
-              <a:rPr lang="en-US" sz="3600" b="1">
-                <a:latin typeface="Consolas" panose="020B0609020204030204" pitchFamily="49" charset="0"/>
-              </a:rPr>
-              <a:t>: </a:t>
+              <a:t> : </a:t>
             </a:r>
             <a:r>
               <a:rPr lang="en-US" sz="3600" b="1" smtClean="0">
@@ -4405,11 +4411,11 @@
   <p:clrMapOvr>
     <a:masterClrMapping/>
   </p:clrMapOvr>
-  <mc:AlternateContent xmlns:mc="http://schemas.openxmlformats.org/markup-compatibility/2006">
-    <mc:Choice xmlns:p14="http://schemas.microsoft.com/office/powerpoint/2010/main" Requires="p14">
+  <mc:AlternateContent xmlns:mc="http://schemas.openxmlformats.org/markup-compatibility/2006" xmlns:p14="http://schemas.microsoft.com/office/powerpoint/2010/main">
+    <mc:Choice Requires="p14">
       <p:transition p14:dur="0"/>
     </mc:Choice>
-    <mc:Fallback>
+    <mc:Fallback xmlns="">
       <p:transition/>
     </mc:Fallback>
   </mc:AlternateContent>
@@ -5952,11 +5958,11 @@
   <p:clrMapOvr>
     <a:masterClrMapping/>
   </p:clrMapOvr>
-  <mc:AlternateContent xmlns:mc="http://schemas.openxmlformats.org/markup-compatibility/2006">
-    <mc:Choice xmlns:p14="http://schemas.microsoft.com/office/powerpoint/2010/main" Requires="p14">
+  <mc:AlternateContent xmlns:mc="http://schemas.openxmlformats.org/markup-compatibility/2006" xmlns:p14="http://schemas.microsoft.com/office/powerpoint/2010/main">
+    <mc:Choice Requires="p14">
       <p:transition p14:dur="0"/>
     </mc:Choice>
-    <mc:Fallback>
+    <mc:Fallback xmlns="">
       <p:transition/>
     </mc:Fallback>
   </mc:AlternateContent>
@@ -6947,7 +6953,6 @@
               <a:rPr lang="da-DK" sz="5400" smtClean="0"/>
               <a:t>Car</a:t>
             </a:r>
-            <a:endParaRPr lang="da-DK" sz="5400" smtClean="0"/>
           </a:p>
           <a:p>
             <a:endParaRPr lang="da-DK" sz="2800"/>
@@ -6997,7 +7002,6 @@
               <a:rPr lang="da-DK" sz="5400" smtClean="0"/>
               <a:t>Wheel</a:t>
             </a:r>
-            <a:endParaRPr lang="da-DK" sz="5400" smtClean="0"/>
           </a:p>
           <a:p>
             <a:endParaRPr lang="da-DK" sz="2800"/>
@@ -7044,11 +7048,11 @@
   <p:clrMapOvr>
     <a:masterClrMapping/>
   </p:clrMapOvr>
-  <mc:AlternateContent xmlns:mc="http://schemas.openxmlformats.org/markup-compatibility/2006">
-    <mc:Choice xmlns:p14="http://schemas.microsoft.com/office/powerpoint/2010/main" Requires="p14">
+  <mc:AlternateContent xmlns:mc="http://schemas.openxmlformats.org/markup-compatibility/2006" xmlns:p14="http://schemas.microsoft.com/office/powerpoint/2010/main">
+    <mc:Choice Requires="p14">
       <p:transition p14:dur="0"/>
     </mc:Choice>
-    <mc:Fallback>
+    <mc:Fallback xmlns="">
       <p:transition/>
     </mc:Fallback>
   </mc:AlternateContent>
@@ -7233,11 +7237,7 @@
           <a:p>
             <a:r>
               <a:rPr lang="da-DK" sz="2400"/>
-              <a:t>bool _</a:t>
-            </a:r>
-            <a:r>
-              <a:rPr lang="da-DK" sz="2400"/>
-              <a:t>canHunt</a:t>
+              <a:t>bool _canHunt</a:t>
             </a:r>
             <a:r>
               <a:rPr lang="da-DK" sz="2400" smtClean="0"/>
@@ -7750,6 +7750,73 @@
       </p:grpSpPr>
       <p:sp>
         <p:nvSpPr>
+          <p:cNvPr id="2" name="Titel 1"/>
+          <p:cNvSpPr>
+            <a:spLocks noGrp="1"/>
+          </p:cNvSpPr>
+          <p:nvPr>
+            <p:ph type="ctrTitle"/>
+          </p:nvPr>
+        </p:nvSpPr>
+        <p:spPr>
+          <a:xfrm>
+            <a:off x="1175085" y="1910432"/>
+            <a:ext cx="9144000" cy="2387600"/>
+          </a:xfrm>
+        </p:spPr>
+        <p:txBody>
+          <a:bodyPr>
+            <a:normAutofit/>
+          </a:bodyPr>
+          <a:lstStyle/>
+          <a:p>
+            <a:r>
+              <a:rPr lang="da-DK" sz="9600" smtClean="0"/>
+              <a:t>OOP.2.1</a:t>
+            </a:r>
+            <a:endParaRPr lang="da-DK" sz="9600"/>
+          </a:p>
+        </p:txBody>
+      </p:sp>
+    </p:spTree>
+    <p:extLst>
+      <p:ext uri="{BB962C8B-B14F-4D97-AF65-F5344CB8AC3E}">
+        <p14:creationId xmlns:p14="http://schemas.microsoft.com/office/powerpoint/2010/main" val="1240265338"/>
+      </p:ext>
+    </p:extLst>
+  </p:cSld>
+  <p:clrMapOvr>
+    <a:masterClrMapping/>
+  </p:clrMapOvr>
+  <p:timing>
+    <p:tnLst>
+      <p:par>
+        <p:cTn id="1" dur="indefinite" restart="never" nodeType="tmRoot"/>
+      </p:par>
+    </p:tnLst>
+  </p:timing>
+</p:sld>
+</file>
+
+<file path=ppt/slides/slide22.xml><?xml version="1.0" encoding="utf-8"?>
+<p:sld xmlns:a="http://schemas.openxmlformats.org/drawingml/2006/main" xmlns:r="http://schemas.openxmlformats.org/officeDocument/2006/relationships" xmlns:p="http://schemas.openxmlformats.org/presentationml/2006/main">
+  <p:cSld>
+    <p:spTree>
+      <p:nvGrpSpPr>
+        <p:cNvPr id="1" name=""/>
+        <p:cNvGrpSpPr/>
+        <p:nvPr/>
+      </p:nvGrpSpPr>
+      <p:grpSpPr>
+        <a:xfrm>
+          <a:off x="0" y="0"/>
+          <a:ext cx="0" cy="0"/>
+          <a:chOff x="0" y="0"/>
+          <a:chExt cx="0" cy="0"/>
+        </a:xfrm>
+      </p:grpSpPr>
+      <p:sp>
+        <p:nvSpPr>
           <p:cNvPr id="4" name="Afrundet rektangel 3"/>
           <p:cNvSpPr/>
           <p:nvPr/>
@@ -7931,25 +7998,7 @@
                 </a:solidFill>
                 <a:latin typeface="Consolas" panose="020B0609020204030204" pitchFamily="49" charset="0"/>
               </a:rPr>
-              <a:t>n</a:t>
-            </a:r>
-            <a:r>
-              <a:rPr lang="en-US" sz="2400" b="1">
-                <a:solidFill>
-                  <a:srgbClr val="0070C0"/>
-                </a:solidFill>
-                <a:latin typeface="Consolas" panose="020B0609020204030204" pitchFamily="49" charset="0"/>
-              </a:rPr>
-              <a:t>e</a:t>
-            </a:r>
-            <a:r>
-              <a:rPr lang="en-US" sz="2400" b="1">
-                <a:solidFill>
-                  <a:srgbClr val="0070C0"/>
-                </a:solidFill>
-                <a:latin typeface="Consolas" panose="020B0609020204030204" pitchFamily="49" charset="0"/>
-              </a:rPr>
-              <a:t>w</a:t>
+              <a:t>new</a:t>
             </a:r>
             <a:r>
               <a:rPr lang="en-US" sz="2400" b="1" smtClean="0">
@@ -8022,11 +8071,11 @@
   <p:clrMapOvr>
     <a:masterClrMapping/>
   </p:clrMapOvr>
-  <mc:AlternateContent xmlns:mc="http://schemas.openxmlformats.org/markup-compatibility/2006">
-    <mc:Choice xmlns:p14="http://schemas.microsoft.com/office/powerpoint/2010/main" Requires="p14">
+  <mc:AlternateContent xmlns:mc="http://schemas.openxmlformats.org/markup-compatibility/2006" xmlns:p14="http://schemas.microsoft.com/office/powerpoint/2010/main">
+    <mc:Choice Requires="p14">
       <p:transition p14:dur="0"/>
     </mc:Choice>
-    <mc:Fallback>
+    <mc:Fallback xmlns="">
       <p:transition/>
     </mc:Fallback>
   </mc:AlternateContent>
@@ -8116,7 +8165,7 @@
 </p:sld>
 </file>
 
-<file path=ppt/slides/slide22.xml><?xml version="1.0" encoding="utf-8"?>
+<file path=ppt/slides/slide23.xml><?xml version="1.0" encoding="utf-8"?>
 <p:sld xmlns:a="http://schemas.openxmlformats.org/drawingml/2006/main" xmlns:r="http://schemas.openxmlformats.org/officeDocument/2006/relationships" xmlns:p="http://schemas.openxmlformats.org/presentationml/2006/main">
   <p:cSld>
     <p:spTree>
@@ -8305,25 +8354,7 @@
                 </a:solidFill>
                 <a:latin typeface="Consolas" panose="020B0609020204030204" pitchFamily="49" charset="0"/>
               </a:rPr>
-              <a:t>n</a:t>
-            </a:r>
-            <a:r>
-              <a:rPr lang="en-US" sz="2400" b="1">
-                <a:solidFill>
-                  <a:srgbClr val="0070C0"/>
-                </a:solidFill>
-                <a:latin typeface="Consolas" panose="020B0609020204030204" pitchFamily="49" charset="0"/>
-              </a:rPr>
-              <a:t>e</a:t>
-            </a:r>
-            <a:r>
-              <a:rPr lang="en-US" sz="2400" b="1">
-                <a:solidFill>
-                  <a:srgbClr val="0070C0"/>
-                </a:solidFill>
-                <a:latin typeface="Consolas" panose="020B0609020204030204" pitchFamily="49" charset="0"/>
-              </a:rPr>
-              <a:t>w</a:t>
+              <a:t>new</a:t>
             </a:r>
             <a:r>
               <a:rPr lang="en-US" sz="2400" b="1" smtClean="0">
@@ -8500,7 +8531,7 @@
 </p:sld>
 </file>
 
-<file path=ppt/slides/slide23.xml><?xml version="1.0" encoding="utf-8"?>
+<file path=ppt/slides/slide24.xml><?xml version="1.0" encoding="utf-8"?>
 <p:sld xmlns:a="http://schemas.openxmlformats.org/drawingml/2006/main" xmlns:r="http://schemas.openxmlformats.org/officeDocument/2006/relationships" xmlns:p="http://schemas.openxmlformats.org/presentationml/2006/main">
   <p:cSld>
     <p:spTree>
@@ -8615,25 +8646,7 @@
                 </a:solidFill>
                 <a:latin typeface="Consolas" panose="020B0609020204030204" pitchFamily="49" charset="0"/>
               </a:rPr>
-              <a:t>n</a:t>
-            </a:r>
-            <a:r>
-              <a:rPr lang="en-US" sz="2400" b="1">
-                <a:solidFill>
-                  <a:srgbClr val="0070C0"/>
-                </a:solidFill>
-                <a:latin typeface="Consolas" panose="020B0609020204030204" pitchFamily="49" charset="0"/>
-              </a:rPr>
-              <a:t>e</a:t>
-            </a:r>
-            <a:r>
-              <a:rPr lang="en-US" sz="2400" b="1">
-                <a:solidFill>
-                  <a:srgbClr val="0070C0"/>
-                </a:solidFill>
-                <a:latin typeface="Consolas" panose="020B0609020204030204" pitchFamily="49" charset="0"/>
-              </a:rPr>
-              <a:t>w</a:t>
+              <a:t>new</a:t>
             </a:r>
             <a:r>
               <a:rPr lang="en-US" sz="2400" b="1" smtClean="0">
@@ -8986,7 +8999,7 @@
 </p:sld>
 </file>
 
-<file path=ppt/slides/slide24.xml><?xml version="1.0" encoding="utf-8"?>
+<file path=ppt/slides/slide25.xml><?xml version="1.0" encoding="utf-8"?>
 <p:sld xmlns:a="http://schemas.openxmlformats.org/drawingml/2006/main" xmlns:r="http://schemas.openxmlformats.org/officeDocument/2006/relationships" xmlns:p="http://schemas.openxmlformats.org/presentationml/2006/main">
   <p:cSld>
     <p:spTree>
@@ -9403,7 +9416,7 @@
 </p:sld>
 </file>
 
-<file path=ppt/slides/slide25.xml><?xml version="1.0" encoding="utf-8"?>
+<file path=ppt/slides/slide26.xml><?xml version="1.0" encoding="utf-8"?>
 <p:sld xmlns:a="http://schemas.openxmlformats.org/drawingml/2006/main" xmlns:r="http://schemas.openxmlformats.org/officeDocument/2006/relationships" xmlns:p="http://schemas.openxmlformats.org/presentationml/2006/main">
   <p:cSld>
     <p:spTree>
@@ -9518,25 +9531,7 @@
                 </a:solidFill>
                 <a:latin typeface="Consolas" panose="020B0609020204030204" pitchFamily="49" charset="0"/>
               </a:rPr>
-              <a:t>n</a:t>
-            </a:r>
-            <a:r>
-              <a:rPr lang="en-US" sz="2400" b="1">
-                <a:solidFill>
-                  <a:srgbClr val="0070C0"/>
-                </a:solidFill>
-                <a:latin typeface="Consolas" panose="020B0609020204030204" pitchFamily="49" charset="0"/>
-              </a:rPr>
-              <a:t>e</a:t>
-            </a:r>
-            <a:r>
-              <a:rPr lang="en-US" sz="2400" b="1">
-                <a:solidFill>
-                  <a:srgbClr val="0070C0"/>
-                </a:solidFill>
-                <a:latin typeface="Consolas" panose="020B0609020204030204" pitchFamily="49" charset="0"/>
-              </a:rPr>
-              <a:t>w</a:t>
+              <a:t>new</a:t>
             </a:r>
             <a:r>
               <a:rPr lang="en-US" sz="2400" b="1" smtClean="0">
@@ -9998,7 +9993,7 @@
 </p:sld>
 </file>
 
-<file path=ppt/slides/slide26.xml><?xml version="1.0" encoding="utf-8"?>
+<file path=ppt/slides/slide27.xml><?xml version="1.0" encoding="utf-8"?>
 <p:sld xmlns:a="http://schemas.openxmlformats.org/drawingml/2006/main" xmlns:r="http://schemas.openxmlformats.org/officeDocument/2006/relationships" xmlns:p="http://schemas.openxmlformats.org/presentationml/2006/main">
   <p:cSld>
     <p:spTree>
@@ -10163,25 +10158,7 @@
                 </a:solidFill>
                 <a:latin typeface="Consolas" panose="020B0609020204030204" pitchFamily="49" charset="0"/>
               </a:rPr>
-              <a:t>n</a:t>
-            </a:r>
-            <a:r>
-              <a:rPr lang="en-US" sz="2400" b="1">
-                <a:solidFill>
-                  <a:srgbClr val="0070C0"/>
-                </a:solidFill>
-                <a:latin typeface="Consolas" panose="020B0609020204030204" pitchFamily="49" charset="0"/>
-              </a:rPr>
-              <a:t>e</a:t>
-            </a:r>
-            <a:r>
-              <a:rPr lang="en-US" sz="2400" b="1">
-                <a:solidFill>
-                  <a:srgbClr val="0070C0"/>
-                </a:solidFill>
-                <a:latin typeface="Consolas" panose="020B0609020204030204" pitchFamily="49" charset="0"/>
-              </a:rPr>
-              <a:t>w</a:t>
+              <a:t>new</a:t>
             </a:r>
             <a:r>
               <a:rPr lang="en-US" sz="2400" b="1" smtClean="0">
@@ -10484,11 +10461,11 @@
   <p:clrMapOvr>
     <a:masterClrMapping/>
   </p:clrMapOvr>
-  <mc:AlternateContent xmlns:mc="http://schemas.openxmlformats.org/markup-compatibility/2006">
-    <mc:Choice xmlns:p14="http://schemas.microsoft.com/office/powerpoint/2010/main" Requires="p14">
+  <mc:AlternateContent xmlns:mc="http://schemas.openxmlformats.org/markup-compatibility/2006" xmlns:p14="http://schemas.microsoft.com/office/powerpoint/2010/main">
+    <mc:Choice Requires="p14">
       <p:transition p14:dur="0"/>
     </mc:Choice>
-    <mc:Fallback>
+    <mc:Fallback xmlns="">
       <p:transition/>
     </mc:Fallback>
   </mc:AlternateContent>
@@ -10759,7 +10736,7 @@
 </p:sld>
 </file>
 
-<file path=ppt/slides/slide27.xml><?xml version="1.0" encoding="utf-8"?>
+<file path=ppt/slides/slide28.xml><?xml version="1.0" encoding="utf-8"?>
 <p:sld xmlns:a="http://schemas.openxmlformats.org/drawingml/2006/main" xmlns:r="http://schemas.openxmlformats.org/officeDocument/2006/relationships" xmlns:p="http://schemas.openxmlformats.org/presentationml/2006/main">
   <p:cSld>
     <p:spTree>
@@ -10828,25 +10805,7 @@
                 </a:solidFill>
                 <a:latin typeface="Consolas" panose="020B0609020204030204" pitchFamily="49" charset="0"/>
               </a:rPr>
-              <a:t>n</a:t>
-            </a:r>
-            <a:r>
-              <a:rPr lang="en-US" sz="2400" b="1">
-                <a:solidFill>
-                  <a:srgbClr val="0070C0"/>
-                </a:solidFill>
-                <a:latin typeface="Consolas" panose="020B0609020204030204" pitchFamily="49" charset="0"/>
-              </a:rPr>
-              <a:t>e</a:t>
-            </a:r>
-            <a:r>
-              <a:rPr lang="en-US" sz="2400" b="1">
-                <a:solidFill>
-                  <a:srgbClr val="0070C0"/>
-                </a:solidFill>
-                <a:latin typeface="Consolas" panose="020B0609020204030204" pitchFamily="49" charset="0"/>
-              </a:rPr>
-              <a:t>w</a:t>
+              <a:t>new</a:t>
             </a:r>
             <a:r>
               <a:rPr lang="en-US" sz="2400" b="1" smtClean="0">
@@ -12010,7 +11969,7 @@
 </p:sld>
 </file>
 
-<file path=ppt/slides/slide28.xml><?xml version="1.0" encoding="utf-8"?>
+<file path=ppt/slides/slide29.xml><?xml version="1.0" encoding="utf-8"?>
 <p:sld xmlns:a="http://schemas.openxmlformats.org/drawingml/2006/main" xmlns:r="http://schemas.openxmlformats.org/officeDocument/2006/relationships" xmlns:p="http://schemas.openxmlformats.org/presentationml/2006/main">
   <p:cSld>
     <p:spTree>
@@ -12401,11 +12360,11 @@
   <p:clrMapOvr>
     <a:masterClrMapping/>
   </p:clrMapOvr>
-  <mc:AlternateContent xmlns:mc="http://schemas.openxmlformats.org/markup-compatibility/2006">
-    <mc:Choice xmlns:p14="http://schemas.microsoft.com/office/powerpoint/2010/main" Requires="p14">
+  <mc:AlternateContent xmlns:mc="http://schemas.openxmlformats.org/markup-compatibility/2006" xmlns:p14="http://schemas.microsoft.com/office/powerpoint/2010/main">
+    <mc:Choice Requires="p14">
       <p:transition p14:dur="0"/>
     </mc:Choice>
-    <mc:Fallback>
+    <mc:Fallback xmlns="">
       <p:transition/>
     </mc:Fallback>
   </mc:AlternateContent>
@@ -12495,327 +12454,6 @@
 </p:sld>
 </file>
 
-<file path=ppt/slides/slide29.xml><?xml version="1.0" encoding="utf-8"?>
-<p:sld xmlns:a="http://schemas.openxmlformats.org/drawingml/2006/main" xmlns:r="http://schemas.openxmlformats.org/officeDocument/2006/relationships" xmlns:p="http://schemas.openxmlformats.org/presentationml/2006/main">
-  <p:cSld>
-    <p:spTree>
-      <p:nvGrpSpPr>
-        <p:cNvPr id="1" name=""/>
-        <p:cNvGrpSpPr/>
-        <p:nvPr/>
-      </p:nvGrpSpPr>
-      <p:grpSpPr>
-        <a:xfrm>
-          <a:off x="0" y="0"/>
-          <a:ext cx="0" cy="0"/>
-          <a:chOff x="0" y="0"/>
-          <a:chExt cx="0" cy="0"/>
-        </a:xfrm>
-      </p:grpSpPr>
-      <p:sp>
-        <p:nvSpPr>
-          <p:cNvPr id="4" name="Afrundet rektangel 3"/>
-          <p:cNvSpPr/>
-          <p:nvPr/>
-        </p:nvSpPr>
-        <p:spPr>
-          <a:xfrm>
-            <a:off x="1443789" y="503633"/>
-            <a:ext cx="1840832" cy="1366560"/>
-          </a:xfrm>
-          <a:prstGeom prst="roundRect">
-            <a:avLst/>
-          </a:prstGeom>
-          <a:solidFill>
-            <a:schemeClr val="accent6">
-              <a:lumMod val="75000"/>
-            </a:schemeClr>
-          </a:solidFill>
-        </p:spPr>
-        <p:style>
-          <a:lnRef idx="2">
-            <a:schemeClr val="accent1">
-              <a:shade val="50000"/>
-            </a:schemeClr>
-          </a:lnRef>
-          <a:fillRef idx="1">
-            <a:schemeClr val="accent1"/>
-          </a:fillRef>
-          <a:effectRef idx="0">
-            <a:schemeClr val="accent1"/>
-          </a:effectRef>
-          <a:fontRef idx="minor">
-            <a:schemeClr val="lt1"/>
-          </a:fontRef>
-        </p:style>
-        <p:txBody>
-          <a:bodyPr rtlCol="0" anchor="t"/>
-          <a:lstStyle/>
-          <a:p>
-            <a:pPr algn="ctr"/>
-            <a:r>
-              <a:rPr lang="da-DK" sz="2800" smtClean="0"/>
-              <a:t>Animal</a:t>
-            </a:r>
-          </a:p>
-        </p:txBody>
-      </p:sp>
-      <p:sp>
-        <p:nvSpPr>
-          <p:cNvPr id="8" name="Tekstfelt 7"/>
-          <p:cNvSpPr txBox="1"/>
-          <p:nvPr/>
-        </p:nvSpPr>
-        <p:spPr>
-          <a:xfrm>
-            <a:off x="4663216" y="402083"/>
-            <a:ext cx="6024785" cy="1938992"/>
-          </a:xfrm>
-          <a:prstGeom prst="rect">
-            <a:avLst/>
-          </a:prstGeom>
-          <a:noFill/>
-        </p:spPr>
-        <p:txBody>
-          <a:bodyPr wrap="square" rtlCol="0">
-            <a:spAutoFit/>
-          </a:bodyPr>
-          <a:lstStyle/>
-          <a:p>
-            <a:r>
-              <a:rPr lang="en-US" sz="2400" b="1" smtClean="0">
-                <a:solidFill>
-                  <a:srgbClr val="0070C0"/>
-                </a:solidFill>
-                <a:latin typeface="Consolas" panose="020B0609020204030204" pitchFamily="49" charset="0"/>
-              </a:rPr>
-              <a:t>public void </a:t>
-            </a:r>
-            <a:r>
-              <a:rPr lang="en-US" sz="2400" b="1" smtClean="0">
-                <a:latin typeface="Consolas" panose="020B0609020204030204" pitchFamily="49" charset="0"/>
-              </a:rPr>
-              <a:t>Sound()</a:t>
-            </a:r>
-            <a:endParaRPr lang="da-DK" sz="2400" b="1">
-              <a:solidFill>
-                <a:schemeClr val="accent6">
-                  <a:lumMod val="75000"/>
-                </a:schemeClr>
-              </a:solidFill>
-              <a:latin typeface="Consolas" panose="020B0609020204030204" pitchFamily="49" charset="0"/>
-            </a:endParaRPr>
-          </a:p>
-          <a:p>
-            <a:r>
-              <a:rPr lang="en-US" sz="2400" b="1" smtClean="0">
-                <a:latin typeface="Consolas" panose="020B0609020204030204" pitchFamily="49" charset="0"/>
-              </a:rPr>
-              <a:t>{</a:t>
-            </a:r>
-          </a:p>
-          <a:p>
-            <a:r>
-              <a:rPr lang="en-US" sz="2400" b="1">
-                <a:latin typeface="Consolas" panose="020B0609020204030204" pitchFamily="49" charset="0"/>
-              </a:rPr>
-              <a:t> </a:t>
-            </a:r>
-            <a:r>
-              <a:rPr lang="en-US" sz="2400" b="1" smtClean="0">
-                <a:latin typeface="Consolas" panose="020B0609020204030204" pitchFamily="49" charset="0"/>
-              </a:rPr>
-              <a:t>  Console.WriteLine(</a:t>
-            </a:r>
-            <a:r>
-              <a:rPr lang="da-DK" sz="2400" b="1">
-                <a:solidFill>
-                  <a:srgbClr val="C00000"/>
-                </a:solidFill>
-                <a:latin typeface="Consolas" panose="020B0609020204030204" pitchFamily="49" charset="0"/>
-              </a:rPr>
-              <a:t>"</a:t>
-            </a:r>
-            <a:r>
-              <a:rPr lang="da-DK" sz="2400" b="1" smtClean="0">
-                <a:solidFill>
-                  <a:srgbClr val="C00000"/>
-                </a:solidFill>
-                <a:latin typeface="Consolas" panose="020B0609020204030204" pitchFamily="49" charset="0"/>
-              </a:rPr>
-              <a:t>…"</a:t>
-            </a:r>
-            <a:r>
-              <a:rPr lang="en-US" sz="2400" b="1" smtClean="0">
-                <a:latin typeface="Consolas" panose="020B0609020204030204" pitchFamily="49" charset="0"/>
-              </a:rPr>
-              <a:t>);</a:t>
-            </a:r>
-          </a:p>
-          <a:p>
-            <a:r>
-              <a:rPr lang="en-US" sz="2400" b="1" smtClean="0">
-                <a:latin typeface="Consolas" panose="020B0609020204030204" pitchFamily="49" charset="0"/>
-              </a:rPr>
-              <a:t>}</a:t>
-            </a:r>
-          </a:p>
-          <a:p>
-            <a:endParaRPr lang="en-US" sz="2400" b="1">
-              <a:latin typeface="Consolas" panose="020B0609020204030204" pitchFamily="49" charset="0"/>
-            </a:endParaRPr>
-          </a:p>
-        </p:txBody>
-      </p:sp>
-      <p:pic>
-        <p:nvPicPr>
-          <p:cNvPr id="5" name="Picture 2" descr="https://www.iconexperience.com/_img/v_collection_png/512x512/shadow/bomb.png"/>
-          <p:cNvPicPr>
-            <a:picLocks noChangeAspect="1" noChangeArrowheads="1"/>
-          </p:cNvPicPr>
-          <p:nvPr/>
-        </p:nvPicPr>
-        <p:blipFill>
-          <a:blip r:embed="rId2" cstate="print">
-            <a:extLst>
-              <a:ext uri="{28A0092B-C50C-407E-A947-70E740481C1C}">
-                <a14:useLocalDpi xmlns:a14="http://schemas.microsoft.com/office/drawing/2010/main" val="0"/>
-              </a:ext>
-            </a:extLst>
-          </a:blip>
-          <a:srcRect/>
-          <a:stretch>
-            <a:fillRect/>
-          </a:stretch>
-        </p:blipFill>
-        <p:spPr bwMode="auto">
-          <a:xfrm>
-            <a:off x="9863273" y="568814"/>
-            <a:ext cx="1080000" cy="1080000"/>
-          </a:xfrm>
-          <a:prstGeom prst="rect">
-            <a:avLst/>
-          </a:prstGeom>
-          <a:noFill/>
-          <a:extLst>
-            <a:ext uri="{909E8E84-426E-40DD-AFC4-6F175D3DCCD1}">
-              <a14:hiddenFill xmlns:a14="http://schemas.microsoft.com/office/drawing/2010/main">
-                <a:solidFill>
-                  <a:srgbClr val="FFFFFF"/>
-                </a:solidFill>
-              </a14:hiddenFill>
-            </a:ext>
-          </a:extLst>
-        </p:spPr>
-      </p:pic>
-    </p:spTree>
-    <p:extLst>
-      <p:ext uri="{BB962C8B-B14F-4D97-AF65-F5344CB8AC3E}">
-        <p14:creationId xmlns:p14="http://schemas.microsoft.com/office/powerpoint/2010/main" val="3726927015"/>
-      </p:ext>
-    </p:extLst>
-  </p:cSld>
-  <p:clrMapOvr>
-    <a:masterClrMapping/>
-  </p:clrMapOvr>
-  <mc:AlternateContent xmlns:mc="http://schemas.openxmlformats.org/markup-compatibility/2006" xmlns:p14="http://schemas.microsoft.com/office/powerpoint/2010/main">
-    <mc:Choice Requires="p14">
-      <p:transition spd="med" p14:dur="700">
-        <p:fade/>
-      </p:transition>
-    </mc:Choice>
-    <mc:Fallback xmlns="">
-      <p:transition spd="med">
-        <p:fade/>
-      </p:transition>
-    </mc:Fallback>
-  </mc:AlternateContent>
-  <p:timing>
-    <p:tnLst>
-      <p:par>
-        <p:cTn id="1" dur="indefinite" restart="never" nodeType="tmRoot">
-          <p:childTnLst>
-            <p:seq concurrent="1" nextAc="seek">
-              <p:cTn id="2" dur="indefinite" nodeType="mainSeq">
-                <p:childTnLst>
-                  <p:par>
-                    <p:cTn id="3" fill="hold">
-                      <p:stCondLst>
-                        <p:cond delay="indefinite"/>
-                      </p:stCondLst>
-                      <p:childTnLst>
-                        <p:par>
-                          <p:cTn id="4" fill="hold">
-                            <p:stCondLst>
-                              <p:cond delay="0"/>
-                            </p:stCondLst>
-                            <p:childTnLst>
-                              <p:par>
-                                <p:cTn id="5" presetID="10" presetClass="entr" presetSubtype="0" fill="hold" nodeType="clickEffect">
-                                  <p:stCondLst>
-                                    <p:cond delay="0"/>
-                                  </p:stCondLst>
-                                  <p:childTnLst>
-                                    <p:set>
-                                      <p:cBhvr>
-                                        <p:cTn id="6" dur="1" fill="hold">
-                                          <p:stCondLst>
-                                            <p:cond delay="0"/>
-                                          </p:stCondLst>
-                                        </p:cTn>
-                                        <p:tgtEl>
-                                          <p:spTgt spid="5"/>
-                                        </p:tgtEl>
-                                        <p:attrNameLst>
-                                          <p:attrName>style.visibility</p:attrName>
-                                        </p:attrNameLst>
-                                      </p:cBhvr>
-                                      <p:to>
-                                        <p:strVal val="visible"/>
-                                      </p:to>
-                                    </p:set>
-                                    <p:animEffect transition="in" filter="fade">
-                                      <p:cBhvr>
-                                        <p:cTn id="7" dur="500"/>
-                                        <p:tgtEl>
-                                          <p:spTgt spid="5"/>
-                                        </p:tgtEl>
-                                      </p:cBhvr>
-                                    </p:animEffect>
-                                  </p:childTnLst>
-                                </p:cTn>
-                              </p:par>
-                            </p:childTnLst>
-                          </p:cTn>
-                        </p:par>
-                      </p:childTnLst>
-                    </p:cTn>
-                  </p:par>
-                </p:childTnLst>
-              </p:cTn>
-              <p:prevCondLst>
-                <p:cond evt="onPrev" delay="0">
-                  <p:tgtEl>
-                    <p:sldTgt/>
-                  </p:tgtEl>
-                </p:cond>
-              </p:prevCondLst>
-              <p:nextCondLst>
-                <p:cond evt="onNext" delay="0">
-                  <p:tgtEl>
-                    <p:sldTgt/>
-                  </p:tgtEl>
-                </p:cond>
-              </p:nextCondLst>
-            </p:seq>
-          </p:childTnLst>
-        </p:cTn>
-      </p:par>
-    </p:tnLst>
-  </p:timing>
-</p:sld>
-</file>
-
 <file path=ppt/slides/slide3.xml><?xml version="1.0" encoding="utf-8"?>
 <p:sld xmlns:a="http://schemas.openxmlformats.org/drawingml/2006/main" xmlns:r="http://schemas.openxmlformats.org/officeDocument/2006/relationships" xmlns:p="http://schemas.openxmlformats.org/presentationml/2006/main">
   <p:cSld>
@@ -12920,7 +12558,6 @@
               <a:rPr lang="da-DK" sz="5400" smtClean="0"/>
               <a:t>Animal</a:t>
             </a:r>
-            <a:endParaRPr lang="da-DK" sz="5400" smtClean="0"/>
           </a:p>
           <a:p>
             <a:endParaRPr lang="da-DK" sz="2800"/>
@@ -12970,7 +12607,6 @@
               <a:rPr lang="da-DK" sz="5400" smtClean="0"/>
               <a:t>Dog</a:t>
             </a:r>
-            <a:endParaRPr lang="da-DK" sz="5400" smtClean="0"/>
           </a:p>
           <a:p>
             <a:endParaRPr lang="da-DK" sz="2800"/>
@@ -13170,6 +12806,394 @@
           <a:chExt cx="0" cy="0"/>
         </a:xfrm>
       </p:grpSpPr>
+      <p:sp>
+        <p:nvSpPr>
+          <p:cNvPr id="2" name="Titel 1"/>
+          <p:cNvSpPr>
+            <a:spLocks noGrp="1"/>
+          </p:cNvSpPr>
+          <p:nvPr>
+            <p:ph type="ctrTitle"/>
+          </p:nvPr>
+        </p:nvSpPr>
+        <p:spPr>
+          <a:xfrm>
+            <a:off x="1175085" y="1910432"/>
+            <a:ext cx="9144000" cy="2387600"/>
+          </a:xfrm>
+        </p:spPr>
+        <p:txBody>
+          <a:bodyPr>
+            <a:normAutofit/>
+          </a:bodyPr>
+          <a:lstStyle/>
+          <a:p>
+            <a:r>
+              <a:rPr lang="da-DK" sz="9600" smtClean="0"/>
+              <a:t>OOP.2.2</a:t>
+            </a:r>
+            <a:endParaRPr lang="da-DK" sz="9600"/>
+          </a:p>
+        </p:txBody>
+      </p:sp>
+    </p:spTree>
+    <p:extLst>
+      <p:ext uri="{BB962C8B-B14F-4D97-AF65-F5344CB8AC3E}">
+        <p14:creationId xmlns:p14="http://schemas.microsoft.com/office/powerpoint/2010/main" val="3927800238"/>
+      </p:ext>
+    </p:extLst>
+  </p:cSld>
+  <p:clrMapOvr>
+    <a:masterClrMapping/>
+  </p:clrMapOvr>
+  <p:timing>
+    <p:tnLst>
+      <p:par>
+        <p:cTn id="1" dur="indefinite" restart="never" nodeType="tmRoot"/>
+      </p:par>
+    </p:tnLst>
+  </p:timing>
+</p:sld>
+</file>
+
+<file path=ppt/slides/slide31.xml><?xml version="1.0" encoding="utf-8"?>
+<p:sld xmlns:a="http://schemas.openxmlformats.org/drawingml/2006/main" xmlns:r="http://schemas.openxmlformats.org/officeDocument/2006/relationships" xmlns:p="http://schemas.openxmlformats.org/presentationml/2006/main">
+  <p:cSld>
+    <p:spTree>
+      <p:nvGrpSpPr>
+        <p:cNvPr id="1" name=""/>
+        <p:cNvGrpSpPr/>
+        <p:nvPr/>
+      </p:nvGrpSpPr>
+      <p:grpSpPr>
+        <a:xfrm>
+          <a:off x="0" y="0"/>
+          <a:ext cx="0" cy="0"/>
+          <a:chOff x="0" y="0"/>
+          <a:chExt cx="0" cy="0"/>
+        </a:xfrm>
+      </p:grpSpPr>
+      <p:sp>
+        <p:nvSpPr>
+          <p:cNvPr id="4" name="Afrundet rektangel 3"/>
+          <p:cNvSpPr/>
+          <p:nvPr/>
+        </p:nvSpPr>
+        <p:spPr>
+          <a:xfrm>
+            <a:off x="1443789" y="503633"/>
+            <a:ext cx="1840832" cy="1366560"/>
+          </a:xfrm>
+          <a:prstGeom prst="roundRect">
+            <a:avLst/>
+          </a:prstGeom>
+          <a:solidFill>
+            <a:schemeClr val="accent6">
+              <a:lumMod val="75000"/>
+            </a:schemeClr>
+          </a:solidFill>
+        </p:spPr>
+        <p:style>
+          <a:lnRef idx="2">
+            <a:schemeClr val="accent1">
+              <a:shade val="50000"/>
+            </a:schemeClr>
+          </a:lnRef>
+          <a:fillRef idx="1">
+            <a:schemeClr val="accent1"/>
+          </a:fillRef>
+          <a:effectRef idx="0">
+            <a:schemeClr val="accent1"/>
+          </a:effectRef>
+          <a:fontRef idx="minor">
+            <a:schemeClr val="lt1"/>
+          </a:fontRef>
+        </p:style>
+        <p:txBody>
+          <a:bodyPr rtlCol="0" anchor="t"/>
+          <a:lstStyle/>
+          <a:p>
+            <a:pPr algn="ctr"/>
+            <a:r>
+              <a:rPr lang="da-DK" sz="2800" smtClean="0"/>
+              <a:t>Animal</a:t>
+            </a:r>
+          </a:p>
+        </p:txBody>
+      </p:sp>
+      <p:sp>
+        <p:nvSpPr>
+          <p:cNvPr id="8" name="Tekstfelt 7"/>
+          <p:cNvSpPr txBox="1"/>
+          <p:nvPr/>
+        </p:nvSpPr>
+        <p:spPr>
+          <a:xfrm>
+            <a:off x="4663216" y="402083"/>
+            <a:ext cx="6024785" cy="1938992"/>
+          </a:xfrm>
+          <a:prstGeom prst="rect">
+            <a:avLst/>
+          </a:prstGeom>
+          <a:noFill/>
+        </p:spPr>
+        <p:txBody>
+          <a:bodyPr wrap="square" rtlCol="0">
+            <a:spAutoFit/>
+          </a:bodyPr>
+          <a:lstStyle/>
+          <a:p>
+            <a:r>
+              <a:rPr lang="en-US" sz="2400" b="1" smtClean="0">
+                <a:solidFill>
+                  <a:srgbClr val="0070C0"/>
+                </a:solidFill>
+                <a:latin typeface="Consolas" panose="020B0609020204030204" pitchFamily="49" charset="0"/>
+              </a:rPr>
+              <a:t>public void </a:t>
+            </a:r>
+            <a:r>
+              <a:rPr lang="en-US" sz="2400" b="1" smtClean="0">
+                <a:latin typeface="Consolas" panose="020B0609020204030204" pitchFamily="49" charset="0"/>
+              </a:rPr>
+              <a:t>Sound()</a:t>
+            </a:r>
+            <a:endParaRPr lang="da-DK" sz="2400" b="1">
+              <a:solidFill>
+                <a:schemeClr val="accent6">
+                  <a:lumMod val="75000"/>
+                </a:schemeClr>
+              </a:solidFill>
+              <a:latin typeface="Consolas" panose="020B0609020204030204" pitchFamily="49" charset="0"/>
+            </a:endParaRPr>
+          </a:p>
+          <a:p>
+            <a:r>
+              <a:rPr lang="en-US" sz="2400" b="1" smtClean="0">
+                <a:latin typeface="Consolas" panose="020B0609020204030204" pitchFamily="49" charset="0"/>
+              </a:rPr>
+              <a:t>{</a:t>
+            </a:r>
+          </a:p>
+          <a:p>
+            <a:r>
+              <a:rPr lang="en-US" sz="2400" b="1">
+                <a:latin typeface="Consolas" panose="020B0609020204030204" pitchFamily="49" charset="0"/>
+              </a:rPr>
+              <a:t> </a:t>
+            </a:r>
+            <a:r>
+              <a:rPr lang="en-US" sz="2400" b="1" smtClean="0">
+                <a:latin typeface="Consolas" panose="020B0609020204030204" pitchFamily="49" charset="0"/>
+              </a:rPr>
+              <a:t>  Console.WriteLine(</a:t>
+            </a:r>
+            <a:r>
+              <a:rPr lang="da-DK" sz="2400" b="1">
+                <a:solidFill>
+                  <a:srgbClr val="C00000"/>
+                </a:solidFill>
+                <a:latin typeface="Consolas" panose="020B0609020204030204" pitchFamily="49" charset="0"/>
+              </a:rPr>
+              <a:t>"</a:t>
+            </a:r>
+            <a:r>
+              <a:rPr lang="da-DK" sz="2400" b="1" smtClean="0">
+                <a:solidFill>
+                  <a:srgbClr val="C00000"/>
+                </a:solidFill>
+                <a:latin typeface="Consolas" panose="020B0609020204030204" pitchFamily="49" charset="0"/>
+              </a:rPr>
+              <a:t>…"</a:t>
+            </a:r>
+            <a:r>
+              <a:rPr lang="en-US" sz="2400" b="1" smtClean="0">
+                <a:latin typeface="Consolas" panose="020B0609020204030204" pitchFamily="49" charset="0"/>
+              </a:rPr>
+              <a:t>);</a:t>
+            </a:r>
+          </a:p>
+          <a:p>
+            <a:r>
+              <a:rPr lang="en-US" sz="2400" b="1" smtClean="0">
+                <a:latin typeface="Consolas" panose="020B0609020204030204" pitchFamily="49" charset="0"/>
+              </a:rPr>
+              <a:t>}</a:t>
+            </a:r>
+          </a:p>
+          <a:p>
+            <a:endParaRPr lang="en-US" sz="2400" b="1">
+              <a:latin typeface="Consolas" panose="020B0609020204030204" pitchFamily="49" charset="0"/>
+            </a:endParaRPr>
+          </a:p>
+        </p:txBody>
+      </p:sp>
+      <p:pic>
+        <p:nvPicPr>
+          <p:cNvPr id="5" name="Picture 2" descr="https://www.iconexperience.com/_img/v_collection_png/512x512/shadow/bomb.png"/>
+          <p:cNvPicPr>
+            <a:picLocks noChangeAspect="1" noChangeArrowheads="1"/>
+          </p:cNvPicPr>
+          <p:nvPr/>
+        </p:nvPicPr>
+        <p:blipFill>
+          <a:blip r:embed="rId2" cstate="print">
+            <a:extLst>
+              <a:ext uri="{28A0092B-C50C-407E-A947-70E740481C1C}">
+                <a14:useLocalDpi xmlns:a14="http://schemas.microsoft.com/office/drawing/2010/main" val="0"/>
+              </a:ext>
+            </a:extLst>
+          </a:blip>
+          <a:srcRect/>
+          <a:stretch>
+            <a:fillRect/>
+          </a:stretch>
+        </p:blipFill>
+        <p:spPr bwMode="auto">
+          <a:xfrm>
+            <a:off x="9863273" y="568814"/>
+            <a:ext cx="1080000" cy="1080000"/>
+          </a:xfrm>
+          <a:prstGeom prst="rect">
+            <a:avLst/>
+          </a:prstGeom>
+          <a:noFill/>
+          <a:extLst>
+            <a:ext uri="{909E8E84-426E-40DD-AFC4-6F175D3DCCD1}">
+              <a14:hiddenFill xmlns:a14="http://schemas.microsoft.com/office/drawing/2010/main">
+                <a:solidFill>
+                  <a:srgbClr val="FFFFFF"/>
+                </a:solidFill>
+              </a14:hiddenFill>
+            </a:ext>
+          </a:extLst>
+        </p:spPr>
+      </p:pic>
+    </p:spTree>
+    <p:extLst>
+      <p:ext uri="{BB962C8B-B14F-4D97-AF65-F5344CB8AC3E}">
+        <p14:creationId xmlns:p14="http://schemas.microsoft.com/office/powerpoint/2010/main" val="3726927015"/>
+      </p:ext>
+    </p:extLst>
+  </p:cSld>
+  <p:clrMapOvr>
+    <a:masterClrMapping/>
+  </p:clrMapOvr>
+  <mc:AlternateContent xmlns:mc="http://schemas.openxmlformats.org/markup-compatibility/2006" xmlns:p14="http://schemas.microsoft.com/office/powerpoint/2010/main">
+    <mc:Choice Requires="p14">
+      <p:transition spd="med" p14:dur="700">
+        <p:fade/>
+      </p:transition>
+    </mc:Choice>
+    <mc:Fallback xmlns="">
+      <p:transition spd="med">
+        <p:fade/>
+      </p:transition>
+    </mc:Fallback>
+  </mc:AlternateContent>
+  <p:timing>
+    <p:tnLst>
+      <p:par>
+        <p:cTn id="1" dur="indefinite" restart="never" nodeType="tmRoot">
+          <p:childTnLst>
+            <p:seq concurrent="1" nextAc="seek">
+              <p:cTn id="2" dur="indefinite" nodeType="mainSeq">
+                <p:childTnLst>
+                  <p:par>
+                    <p:cTn id="3" fill="hold">
+                      <p:stCondLst>
+                        <p:cond delay="indefinite"/>
+                      </p:stCondLst>
+                      <p:childTnLst>
+                        <p:par>
+                          <p:cTn id="4" fill="hold">
+                            <p:stCondLst>
+                              <p:cond delay="0"/>
+                            </p:stCondLst>
+                            <p:childTnLst>
+                              <p:par>
+                                <p:cTn id="5" presetID="10" presetClass="entr" presetSubtype="0" fill="hold" nodeType="clickEffect">
+                                  <p:stCondLst>
+                                    <p:cond delay="0"/>
+                                  </p:stCondLst>
+                                  <p:childTnLst>
+                                    <p:set>
+                                      <p:cBhvr>
+                                        <p:cTn id="6" dur="1" fill="hold">
+                                          <p:stCondLst>
+                                            <p:cond delay="0"/>
+                                          </p:stCondLst>
+                                        </p:cTn>
+                                        <p:tgtEl>
+                                          <p:spTgt spid="5"/>
+                                        </p:tgtEl>
+                                        <p:attrNameLst>
+                                          <p:attrName>style.visibility</p:attrName>
+                                        </p:attrNameLst>
+                                      </p:cBhvr>
+                                      <p:to>
+                                        <p:strVal val="visible"/>
+                                      </p:to>
+                                    </p:set>
+                                    <p:animEffect transition="in" filter="fade">
+                                      <p:cBhvr>
+                                        <p:cTn id="7" dur="500"/>
+                                        <p:tgtEl>
+                                          <p:spTgt spid="5"/>
+                                        </p:tgtEl>
+                                      </p:cBhvr>
+                                    </p:animEffect>
+                                  </p:childTnLst>
+                                </p:cTn>
+                              </p:par>
+                            </p:childTnLst>
+                          </p:cTn>
+                        </p:par>
+                      </p:childTnLst>
+                    </p:cTn>
+                  </p:par>
+                </p:childTnLst>
+              </p:cTn>
+              <p:prevCondLst>
+                <p:cond evt="onPrev" delay="0">
+                  <p:tgtEl>
+                    <p:sldTgt/>
+                  </p:tgtEl>
+                </p:cond>
+              </p:prevCondLst>
+              <p:nextCondLst>
+                <p:cond evt="onNext" delay="0">
+                  <p:tgtEl>
+                    <p:sldTgt/>
+                  </p:tgtEl>
+                </p:cond>
+              </p:nextCondLst>
+            </p:seq>
+          </p:childTnLst>
+        </p:cTn>
+      </p:par>
+    </p:tnLst>
+  </p:timing>
+</p:sld>
+</file>
+
+<file path=ppt/slides/slide32.xml><?xml version="1.0" encoding="utf-8"?>
+<p:sld xmlns:a="http://schemas.openxmlformats.org/drawingml/2006/main" xmlns:r="http://schemas.openxmlformats.org/officeDocument/2006/relationships" xmlns:p="http://schemas.openxmlformats.org/presentationml/2006/main">
+  <p:cSld>
+    <p:spTree>
+      <p:nvGrpSpPr>
+        <p:cNvPr id="1" name=""/>
+        <p:cNvGrpSpPr/>
+        <p:nvPr/>
+      </p:nvGrpSpPr>
+      <p:grpSpPr>
+        <a:xfrm>
+          <a:off x="0" y="0"/>
+          <a:ext cx="0" cy="0"/>
+          <a:chOff x="0" y="0"/>
+          <a:chExt cx="0" cy="0"/>
+        </a:xfrm>
+      </p:grpSpPr>
       <p:pic>
         <p:nvPicPr>
           <p:cNvPr id="6" name="Picture 2" descr="Billedresultat for tick icon"/>
@@ -13438,7 +13462,7 @@
 </p:sld>
 </file>
 
-<file path=ppt/slides/slide31.xml><?xml version="1.0" encoding="utf-8"?>
+<file path=ppt/slides/slide33.xml><?xml version="1.0" encoding="utf-8"?>
 <p:sld xmlns:a="http://schemas.openxmlformats.org/drawingml/2006/main" xmlns:r="http://schemas.openxmlformats.org/officeDocument/2006/relationships" xmlns:p="http://schemas.openxmlformats.org/presentationml/2006/main">
   <p:cSld>
     <p:spTree>
@@ -13787,7 +13811,7 @@
 </p:sld>
 </file>
 
-<file path=ppt/slides/slide32.xml><?xml version="1.0" encoding="utf-8"?>
+<file path=ppt/slides/slide34.xml><?xml version="1.0" encoding="utf-8"?>
 <p:sld xmlns:a="http://schemas.openxmlformats.org/drawingml/2006/main" xmlns:r="http://schemas.openxmlformats.org/officeDocument/2006/relationships" xmlns:p="http://schemas.openxmlformats.org/presentationml/2006/main">
   <p:cSld>
     <p:spTree>
@@ -14304,7 +14328,7 @@
 </p:sld>
 </file>
 
-<file path=ppt/slides/slide33.xml><?xml version="1.0" encoding="utf-8"?>
+<file path=ppt/slides/slide35.xml><?xml version="1.0" encoding="utf-8"?>
 <p:sld xmlns:a="http://schemas.openxmlformats.org/drawingml/2006/main" xmlns:r="http://schemas.openxmlformats.org/officeDocument/2006/relationships" xmlns:p="http://schemas.openxmlformats.org/presentationml/2006/main">
   <p:cSld>
     <p:spTree>
@@ -14680,11 +14704,11 @@
   <p:clrMapOvr>
     <a:masterClrMapping/>
   </p:clrMapOvr>
-  <mc:AlternateContent xmlns:mc="http://schemas.openxmlformats.org/markup-compatibility/2006">
-    <mc:Choice xmlns:p14="http://schemas.microsoft.com/office/powerpoint/2010/main" Requires="p14">
+  <mc:AlternateContent xmlns:mc="http://schemas.openxmlformats.org/markup-compatibility/2006" xmlns:p14="http://schemas.microsoft.com/office/powerpoint/2010/main">
+    <mc:Choice Requires="p14">
       <p:transition p14:dur="0"/>
     </mc:Choice>
-    <mc:Fallback>
+    <mc:Fallback xmlns="">
       <p:transition/>
     </mc:Fallback>
   </mc:AlternateContent>
@@ -14698,7 +14722,74 @@
 </p:sld>
 </file>
 
-<file path=ppt/slides/slide34.xml><?xml version="1.0" encoding="utf-8"?>
+<file path=ppt/slides/slide36.xml><?xml version="1.0" encoding="utf-8"?>
+<p:sld xmlns:a="http://schemas.openxmlformats.org/drawingml/2006/main" xmlns:r="http://schemas.openxmlformats.org/officeDocument/2006/relationships" xmlns:p="http://schemas.openxmlformats.org/presentationml/2006/main">
+  <p:cSld>
+    <p:spTree>
+      <p:nvGrpSpPr>
+        <p:cNvPr id="1" name=""/>
+        <p:cNvGrpSpPr/>
+        <p:nvPr/>
+      </p:nvGrpSpPr>
+      <p:grpSpPr>
+        <a:xfrm>
+          <a:off x="0" y="0"/>
+          <a:ext cx="0" cy="0"/>
+          <a:chOff x="0" y="0"/>
+          <a:chExt cx="0" cy="0"/>
+        </a:xfrm>
+      </p:grpSpPr>
+      <p:sp>
+        <p:nvSpPr>
+          <p:cNvPr id="2" name="Titel 1"/>
+          <p:cNvSpPr>
+            <a:spLocks noGrp="1"/>
+          </p:cNvSpPr>
+          <p:nvPr>
+            <p:ph type="ctrTitle"/>
+          </p:nvPr>
+        </p:nvSpPr>
+        <p:spPr>
+          <a:xfrm>
+            <a:off x="1175085" y="1910432"/>
+            <a:ext cx="9144000" cy="2387600"/>
+          </a:xfrm>
+        </p:spPr>
+        <p:txBody>
+          <a:bodyPr>
+            <a:normAutofit/>
+          </a:bodyPr>
+          <a:lstStyle/>
+          <a:p>
+            <a:r>
+              <a:rPr lang="da-DK" sz="9600" smtClean="0"/>
+              <a:t>OOP.2.3</a:t>
+            </a:r>
+            <a:endParaRPr lang="da-DK" sz="9600"/>
+          </a:p>
+        </p:txBody>
+      </p:sp>
+    </p:spTree>
+    <p:extLst>
+      <p:ext uri="{BB962C8B-B14F-4D97-AF65-F5344CB8AC3E}">
+        <p14:creationId xmlns:p14="http://schemas.microsoft.com/office/powerpoint/2010/main" val="9156023"/>
+      </p:ext>
+    </p:extLst>
+  </p:cSld>
+  <p:clrMapOvr>
+    <a:masterClrMapping/>
+  </p:clrMapOvr>
+  <p:timing>
+    <p:tnLst>
+      <p:par>
+        <p:cTn id="1" dur="indefinite" restart="never" nodeType="tmRoot"/>
+      </p:par>
+    </p:tnLst>
+  </p:timing>
+</p:sld>
+</file>
+
+<file path=ppt/slides/slide37.xml><?xml version="1.0" encoding="utf-8"?>
 <p:sld xmlns:a="http://schemas.openxmlformats.org/drawingml/2006/main" xmlns:r="http://schemas.openxmlformats.org/officeDocument/2006/relationships" xmlns:p="http://schemas.openxmlformats.org/presentationml/2006/main">
   <p:cSld>
     <p:spTree>
@@ -14935,16 +15026,7 @@
                 </a:solidFill>
                 <a:latin typeface="Consolas" panose="020B0609020204030204" pitchFamily="49" charset="0"/>
               </a:rPr>
-              <a:t>abstract </a:t>
-            </a:r>
-            <a:r>
-              <a:rPr lang="en-US" sz="2400" b="1">
-                <a:solidFill>
-                  <a:srgbClr val="0070C0"/>
-                </a:solidFill>
-                <a:latin typeface="Consolas" panose="020B0609020204030204" pitchFamily="49" charset="0"/>
-              </a:rPr>
-              <a:t>void </a:t>
+              <a:t>abstract void </a:t>
             </a:r>
             <a:r>
               <a:rPr lang="en-US" sz="2400" b="1">
@@ -15056,11 +15138,11 @@
   <p:clrMapOvr>
     <a:masterClrMapping/>
   </p:clrMapOvr>
-  <mc:AlternateContent xmlns:mc="http://schemas.openxmlformats.org/markup-compatibility/2006">
-    <mc:Choice xmlns:p14="http://schemas.microsoft.com/office/powerpoint/2010/main" Requires="p14">
+  <mc:AlternateContent xmlns:mc="http://schemas.openxmlformats.org/markup-compatibility/2006" xmlns:p14="http://schemas.microsoft.com/office/powerpoint/2010/main">
+    <mc:Choice Requires="p14">
       <p:transition p14:dur="0"/>
     </mc:Choice>
-    <mc:Fallback>
+    <mc:Fallback xmlns="">
       <p:transition/>
     </mc:Fallback>
   </mc:AlternateContent>
@@ -15074,7 +15156,7 @@
 </p:sld>
 </file>
 
-<file path=ppt/slides/slide35.xml><?xml version="1.0" encoding="utf-8"?>
+<file path=ppt/slides/slide38.xml><?xml version="1.0" encoding="utf-8"?>
 <p:sld xmlns:a="http://schemas.openxmlformats.org/drawingml/2006/main" xmlns:r="http://schemas.openxmlformats.org/officeDocument/2006/relationships" xmlns:p="http://schemas.openxmlformats.org/presentationml/2006/main">
   <p:cSld>
     <p:spTree>
@@ -15290,7 +15372,7 @@
 </p:sld>
 </file>
 
-<file path=ppt/slides/slide36.xml><?xml version="1.0" encoding="utf-8"?>
+<file path=ppt/slides/slide39.xml><?xml version="1.0" encoding="utf-8"?>
 <p:sld xmlns:a="http://schemas.openxmlformats.org/drawingml/2006/main" xmlns:r="http://schemas.openxmlformats.org/officeDocument/2006/relationships" xmlns:p="http://schemas.openxmlformats.org/presentationml/2006/main">
   <p:cSld>
     <p:spTree>
@@ -15688,1532 +15770,6 @@
       <p:transition spd="med">
         <p:fade/>
       </p:transition>
-    </mc:Fallback>
-  </mc:AlternateContent>
-  <p:timing>
-    <p:tnLst>
-      <p:par>
-        <p:cTn id="1" dur="indefinite" restart="never" nodeType="tmRoot"/>
-      </p:par>
-    </p:tnLst>
-  </p:timing>
-</p:sld>
-</file>
-
-<file path=ppt/slides/slide37.xml><?xml version="1.0" encoding="utf-8"?>
-<p:sld xmlns:a="http://schemas.openxmlformats.org/drawingml/2006/main" xmlns:r="http://schemas.openxmlformats.org/officeDocument/2006/relationships" xmlns:p="http://schemas.openxmlformats.org/presentationml/2006/main">
-  <p:cSld>
-    <p:spTree>
-      <p:nvGrpSpPr>
-        <p:cNvPr id="1" name=""/>
-        <p:cNvGrpSpPr/>
-        <p:nvPr/>
-      </p:nvGrpSpPr>
-      <p:grpSpPr>
-        <a:xfrm>
-          <a:off x="0" y="0"/>
-          <a:ext cx="0" cy="0"/>
-          <a:chOff x="0" y="0"/>
-          <a:chExt cx="0" cy="0"/>
-        </a:xfrm>
-      </p:grpSpPr>
-      <p:sp>
-        <p:nvSpPr>
-          <p:cNvPr id="8" name="Tekstfelt 7"/>
-          <p:cNvSpPr txBox="1"/>
-          <p:nvPr/>
-        </p:nvSpPr>
-        <p:spPr>
-          <a:xfrm>
-            <a:off x="379974" y="366683"/>
-            <a:ext cx="7280666" cy="4154984"/>
-          </a:xfrm>
-          <a:prstGeom prst="rect">
-            <a:avLst/>
-          </a:prstGeom>
-          <a:noFill/>
-        </p:spPr>
-        <p:txBody>
-          <a:bodyPr wrap="square" rtlCol="0">
-            <a:spAutoFit/>
-          </a:bodyPr>
-          <a:lstStyle/>
-          <a:p>
-            <a:r>
-              <a:rPr lang="en-US" sz="2400" b="1" smtClean="0">
-                <a:latin typeface="Consolas" panose="020B0609020204030204" pitchFamily="49" charset="0"/>
-              </a:rPr>
-              <a:t>List&lt;</a:t>
-            </a:r>
-            <a:r>
-              <a:rPr lang="en-US" sz="2400" b="1" smtClean="0">
-                <a:solidFill>
-                  <a:schemeClr val="accent6">
-                    <a:lumMod val="75000"/>
-                  </a:schemeClr>
-                </a:solidFill>
-                <a:latin typeface="Consolas" panose="020B0609020204030204" pitchFamily="49" charset="0"/>
-              </a:rPr>
-              <a:t>IAnimal</a:t>
-            </a:r>
-            <a:r>
-              <a:rPr lang="en-US" sz="2400" b="1" smtClean="0">
-                <a:latin typeface="Consolas" panose="020B0609020204030204" pitchFamily="49" charset="0"/>
-              </a:rPr>
-              <a:t>&gt; zoo = </a:t>
-            </a:r>
-            <a:r>
-              <a:rPr lang="en-US" sz="2400" b="1">
-                <a:solidFill>
-                  <a:srgbClr val="0070C0"/>
-                </a:solidFill>
-                <a:latin typeface="Consolas" panose="020B0609020204030204" pitchFamily="49" charset="0"/>
-              </a:rPr>
-              <a:t>n</a:t>
-            </a:r>
-            <a:r>
-              <a:rPr lang="en-US" sz="2400" b="1">
-                <a:solidFill>
-                  <a:srgbClr val="0070C0"/>
-                </a:solidFill>
-                <a:latin typeface="Consolas" panose="020B0609020204030204" pitchFamily="49" charset="0"/>
-              </a:rPr>
-              <a:t>e</a:t>
-            </a:r>
-            <a:r>
-              <a:rPr lang="en-US" sz="2400" b="1">
-                <a:solidFill>
-                  <a:srgbClr val="0070C0"/>
-                </a:solidFill>
-                <a:latin typeface="Consolas" panose="020B0609020204030204" pitchFamily="49" charset="0"/>
-              </a:rPr>
-              <a:t>w</a:t>
-            </a:r>
-            <a:r>
-              <a:rPr lang="en-US" sz="2400" b="1" smtClean="0">
-                <a:latin typeface="Consolas" panose="020B0609020204030204" pitchFamily="49" charset="0"/>
-              </a:rPr>
-              <a:t> List&lt;</a:t>
-            </a:r>
-            <a:r>
-              <a:rPr lang="en-US" sz="2400" b="1" smtClean="0">
-                <a:solidFill>
-                  <a:schemeClr val="accent6">
-                    <a:lumMod val="75000"/>
-                  </a:schemeClr>
-                </a:solidFill>
-                <a:latin typeface="Consolas" panose="020B0609020204030204" pitchFamily="49" charset="0"/>
-              </a:rPr>
-              <a:t>IAnimal</a:t>
-            </a:r>
-            <a:r>
-              <a:rPr lang="en-US" sz="2400" b="1" smtClean="0">
-                <a:latin typeface="Consolas" panose="020B0609020204030204" pitchFamily="49" charset="0"/>
-              </a:rPr>
-              <a:t>&gt;();</a:t>
-            </a:r>
-          </a:p>
-          <a:p>
-            <a:r>
-              <a:rPr lang="en-US" sz="2400" b="1" smtClean="0">
-                <a:latin typeface="Consolas" panose="020B0609020204030204" pitchFamily="49" charset="0"/>
-              </a:rPr>
-              <a:t>zoo.Add(</a:t>
-            </a:r>
-            <a:r>
-              <a:rPr lang="en-US" sz="2400" b="1">
-                <a:solidFill>
-                  <a:srgbClr val="0070C0"/>
-                </a:solidFill>
-                <a:latin typeface="Consolas" panose="020B0609020204030204" pitchFamily="49" charset="0"/>
-              </a:rPr>
-              <a:t>new</a:t>
-            </a:r>
-            <a:r>
-              <a:rPr lang="en-US" sz="2400" b="1">
-                <a:latin typeface="Consolas" panose="020B0609020204030204" pitchFamily="49" charset="0"/>
-              </a:rPr>
-              <a:t> </a:t>
-            </a:r>
-            <a:r>
-              <a:rPr lang="en-US" sz="2400" b="1" smtClean="0">
-                <a:solidFill>
-                  <a:schemeClr val="accent6">
-                    <a:lumMod val="75000"/>
-                  </a:schemeClr>
-                </a:solidFill>
-                <a:latin typeface="Consolas" panose="020B0609020204030204" pitchFamily="49" charset="0"/>
-              </a:rPr>
-              <a:t>Cat</a:t>
-            </a:r>
-            <a:r>
-              <a:rPr lang="en-US" sz="2400" b="1" smtClean="0">
-                <a:latin typeface="Consolas" panose="020B0609020204030204" pitchFamily="49" charset="0"/>
-              </a:rPr>
-              <a:t>(…));</a:t>
-            </a:r>
-          </a:p>
-          <a:p>
-            <a:r>
-              <a:rPr lang="en-US" sz="2400" b="1" smtClean="0">
-                <a:latin typeface="Consolas" panose="020B0609020204030204" pitchFamily="49" charset="0"/>
-              </a:rPr>
-              <a:t>zoo.Add(</a:t>
-            </a:r>
-            <a:r>
-              <a:rPr lang="en-US" sz="2400" b="1">
-                <a:solidFill>
-                  <a:srgbClr val="0070C0"/>
-                </a:solidFill>
-                <a:latin typeface="Consolas" panose="020B0609020204030204" pitchFamily="49" charset="0"/>
-              </a:rPr>
-              <a:t>new</a:t>
-            </a:r>
-            <a:r>
-              <a:rPr lang="en-US" sz="2400" b="1">
-                <a:latin typeface="Consolas" panose="020B0609020204030204" pitchFamily="49" charset="0"/>
-              </a:rPr>
-              <a:t> </a:t>
-            </a:r>
-            <a:r>
-              <a:rPr lang="en-US" sz="2400" b="1" smtClean="0">
-                <a:solidFill>
-                  <a:schemeClr val="accent6">
-                    <a:lumMod val="75000"/>
-                  </a:schemeClr>
-                </a:solidFill>
-                <a:latin typeface="Consolas" panose="020B0609020204030204" pitchFamily="49" charset="0"/>
-              </a:rPr>
-              <a:t>Dog</a:t>
-            </a:r>
-            <a:r>
-              <a:rPr lang="en-US" sz="2400" b="1" smtClean="0">
-                <a:latin typeface="Consolas" panose="020B0609020204030204" pitchFamily="49" charset="0"/>
-              </a:rPr>
-              <a:t>(…));</a:t>
-            </a:r>
-          </a:p>
-          <a:p>
-            <a:r>
-              <a:rPr lang="en-US" sz="2400" b="1" smtClean="0">
-                <a:latin typeface="Consolas" panose="020B0609020204030204" pitchFamily="49" charset="0"/>
-              </a:rPr>
-              <a:t>zoo.Add(</a:t>
-            </a:r>
-            <a:r>
-              <a:rPr lang="en-US" sz="2400" b="1">
-                <a:solidFill>
-                  <a:srgbClr val="0070C0"/>
-                </a:solidFill>
-                <a:latin typeface="Consolas" panose="020B0609020204030204" pitchFamily="49" charset="0"/>
-              </a:rPr>
-              <a:t>new</a:t>
-            </a:r>
-            <a:r>
-              <a:rPr lang="en-US" sz="2400" b="1">
-                <a:latin typeface="Consolas" panose="020B0609020204030204" pitchFamily="49" charset="0"/>
-              </a:rPr>
-              <a:t> </a:t>
-            </a:r>
-            <a:r>
-              <a:rPr lang="en-US" sz="2400" b="1">
-                <a:solidFill>
-                  <a:schemeClr val="accent6">
-                    <a:lumMod val="75000"/>
-                  </a:schemeClr>
-                </a:solidFill>
-                <a:latin typeface="Consolas" panose="020B0609020204030204" pitchFamily="49" charset="0"/>
-              </a:rPr>
-              <a:t>Cat</a:t>
-            </a:r>
-            <a:r>
-              <a:rPr lang="en-US" sz="2400" b="1" smtClean="0">
-                <a:latin typeface="Consolas" panose="020B0609020204030204" pitchFamily="49" charset="0"/>
-              </a:rPr>
-              <a:t>(…));</a:t>
-            </a:r>
-          </a:p>
-          <a:p>
-            <a:endParaRPr lang="en-US" sz="2400" b="1">
-              <a:latin typeface="Consolas" panose="020B0609020204030204" pitchFamily="49" charset="0"/>
-            </a:endParaRPr>
-          </a:p>
-          <a:p>
-            <a:endParaRPr lang="en-US" sz="2400" b="1" smtClean="0">
-              <a:latin typeface="Consolas" panose="020B0609020204030204" pitchFamily="49" charset="0"/>
-            </a:endParaRPr>
-          </a:p>
-          <a:p>
-            <a:r>
-              <a:rPr lang="en-US" sz="2400" b="1">
-                <a:solidFill>
-                  <a:srgbClr val="0070C0"/>
-                </a:solidFill>
-                <a:latin typeface="Consolas" panose="020B0609020204030204" pitchFamily="49" charset="0"/>
-              </a:rPr>
-              <a:t>foreach</a:t>
-            </a:r>
-            <a:r>
-              <a:rPr lang="en-US" sz="2400" b="1" smtClean="0">
-                <a:latin typeface="Consolas" panose="020B0609020204030204" pitchFamily="49" charset="0"/>
-              </a:rPr>
-              <a:t> (</a:t>
-            </a:r>
-            <a:r>
-              <a:rPr lang="en-US" sz="2400" b="1" smtClean="0">
-                <a:solidFill>
-                  <a:schemeClr val="accent6">
-                    <a:lumMod val="75000"/>
-                  </a:schemeClr>
-                </a:solidFill>
-                <a:latin typeface="Consolas" panose="020B0609020204030204" pitchFamily="49" charset="0"/>
-              </a:rPr>
-              <a:t>IAnimal</a:t>
-            </a:r>
-            <a:r>
-              <a:rPr lang="en-US" sz="2400" b="1" smtClean="0">
-                <a:latin typeface="Consolas" panose="020B0609020204030204" pitchFamily="49" charset="0"/>
-              </a:rPr>
-              <a:t> </a:t>
-            </a:r>
-            <a:r>
-              <a:rPr lang="en-US" sz="2400" b="1">
-                <a:latin typeface="Consolas" panose="020B0609020204030204" pitchFamily="49" charset="0"/>
-              </a:rPr>
-              <a:t>a </a:t>
-            </a:r>
-            <a:r>
-              <a:rPr lang="en-US" sz="2400" b="1">
-                <a:solidFill>
-                  <a:srgbClr val="0070C0"/>
-                </a:solidFill>
-                <a:latin typeface="Consolas" panose="020B0609020204030204" pitchFamily="49" charset="0"/>
-              </a:rPr>
-              <a:t>in</a:t>
-            </a:r>
-            <a:r>
-              <a:rPr lang="en-US" sz="2400" b="1">
-                <a:latin typeface="Consolas" panose="020B0609020204030204" pitchFamily="49" charset="0"/>
-              </a:rPr>
-              <a:t> zoo)</a:t>
-            </a:r>
-          </a:p>
-          <a:p>
-            <a:r>
-              <a:rPr lang="da-DK" sz="2400" b="1" smtClean="0">
-                <a:latin typeface="Consolas" panose="020B0609020204030204" pitchFamily="49" charset="0"/>
-              </a:rPr>
-              <a:t>{</a:t>
-            </a:r>
-            <a:endParaRPr lang="da-DK" sz="2400" b="1">
-              <a:latin typeface="Consolas" panose="020B0609020204030204" pitchFamily="49" charset="0"/>
-            </a:endParaRPr>
-          </a:p>
-          <a:p>
-            <a:r>
-              <a:rPr lang="da-DK" sz="2400" b="1" smtClean="0">
-                <a:latin typeface="Consolas" panose="020B0609020204030204" pitchFamily="49" charset="0"/>
-              </a:rPr>
-              <a:t>   a.Sound</a:t>
-            </a:r>
-            <a:r>
-              <a:rPr lang="da-DK" sz="2400" b="1">
-                <a:latin typeface="Consolas" panose="020B0609020204030204" pitchFamily="49" charset="0"/>
-              </a:rPr>
-              <a:t>();</a:t>
-            </a:r>
-          </a:p>
-          <a:p>
-            <a:r>
-              <a:rPr lang="da-DK" sz="2400" b="1" smtClean="0">
-                <a:latin typeface="Consolas" panose="020B0609020204030204" pitchFamily="49" charset="0"/>
-              </a:rPr>
-              <a:t>}</a:t>
-            </a:r>
-            <a:endParaRPr lang="en-US" sz="2400" b="1">
-              <a:latin typeface="Consolas" panose="020B0609020204030204" pitchFamily="49" charset="0"/>
-            </a:endParaRPr>
-          </a:p>
-          <a:p>
-            <a:endParaRPr lang="da-DK" sz="2400"/>
-          </a:p>
-        </p:txBody>
-      </p:sp>
-      <p:sp>
-        <p:nvSpPr>
-          <p:cNvPr id="6" name="Afrundet rektangel 5"/>
-          <p:cNvSpPr/>
-          <p:nvPr/>
-        </p:nvSpPr>
-        <p:spPr>
-          <a:xfrm>
-            <a:off x="5960533" y="1423682"/>
-            <a:ext cx="2384213" cy="5004211"/>
-          </a:xfrm>
-          <a:prstGeom prst="roundRect">
-            <a:avLst/>
-          </a:prstGeom>
-          <a:solidFill>
-            <a:schemeClr val="accent6">
-              <a:lumMod val="75000"/>
-            </a:schemeClr>
-          </a:solidFill>
-        </p:spPr>
-        <p:style>
-          <a:lnRef idx="2">
-            <a:schemeClr val="accent1">
-              <a:shade val="50000"/>
-            </a:schemeClr>
-          </a:lnRef>
-          <a:fillRef idx="1">
-            <a:schemeClr val="accent1"/>
-          </a:fillRef>
-          <a:effectRef idx="0">
-            <a:schemeClr val="accent1"/>
-          </a:effectRef>
-          <a:fontRef idx="minor">
-            <a:schemeClr val="lt1"/>
-          </a:fontRef>
-        </p:style>
-        <p:txBody>
-          <a:bodyPr rtlCol="0" anchor="t"/>
-          <a:lstStyle/>
-          <a:p>
-            <a:pPr algn="ctr"/>
-            <a:r>
-              <a:rPr lang="da-DK" sz="2800" smtClean="0"/>
-              <a:t>List&lt;IAnimal&gt;</a:t>
-            </a:r>
-          </a:p>
-        </p:txBody>
-      </p:sp>
-      <p:sp>
-        <p:nvSpPr>
-          <p:cNvPr id="4" name="Afrundet rektangel 3"/>
-          <p:cNvSpPr/>
-          <p:nvPr/>
-        </p:nvSpPr>
-        <p:spPr>
-          <a:xfrm>
-            <a:off x="6365373" y="2240282"/>
-            <a:ext cx="1693333" cy="1232746"/>
-          </a:xfrm>
-          <a:prstGeom prst="roundRect">
-            <a:avLst/>
-          </a:prstGeom>
-          <a:solidFill>
-            <a:srgbClr val="C00000">
-              <a:alpha val="25000"/>
-            </a:srgbClr>
-          </a:solidFill>
-        </p:spPr>
-        <p:style>
-          <a:lnRef idx="2">
-            <a:schemeClr val="accent1">
-              <a:shade val="50000"/>
-            </a:schemeClr>
-          </a:lnRef>
-          <a:fillRef idx="1">
-            <a:schemeClr val="accent1"/>
-          </a:fillRef>
-          <a:effectRef idx="0">
-            <a:schemeClr val="accent1"/>
-          </a:effectRef>
-          <a:fontRef idx="minor">
-            <a:schemeClr val="lt1"/>
-          </a:fontRef>
-        </p:style>
-        <p:txBody>
-          <a:bodyPr rtlCol="0" anchor="t"/>
-          <a:lstStyle/>
-          <a:p>
-            <a:pPr algn="ctr"/>
-            <a:r>
-              <a:rPr lang="da-DK" sz="2800" smtClean="0"/>
-              <a:t>Cat</a:t>
-            </a:r>
-          </a:p>
-        </p:txBody>
-      </p:sp>
-      <p:pic>
-        <p:nvPicPr>
-          <p:cNvPr id="2052" name="Picture 4" descr="Billedresultat for dog icon"/>
-          <p:cNvPicPr>
-            <a:picLocks noChangeAspect="1" noChangeArrowheads="1"/>
-          </p:cNvPicPr>
-          <p:nvPr/>
-        </p:nvPicPr>
-        <p:blipFill>
-          <a:blip r:embed="rId2" cstate="print">
-            <a:extLst>
-              <a:ext uri="{28A0092B-C50C-407E-A947-70E740481C1C}">
-                <a14:useLocalDpi xmlns:a14="http://schemas.microsoft.com/office/drawing/2010/main" val="0"/>
-              </a:ext>
-            </a:extLst>
-          </a:blip>
-          <a:srcRect/>
-          <a:stretch>
-            <a:fillRect/>
-          </a:stretch>
-        </p:blipFill>
-        <p:spPr bwMode="auto">
-          <a:xfrm>
-            <a:off x="6715350" y="3949467"/>
-            <a:ext cx="993375" cy="993375"/>
-          </a:xfrm>
-          <a:prstGeom prst="rect">
-            <a:avLst/>
-          </a:prstGeom>
-          <a:noFill/>
-          <a:extLst>
-            <a:ext uri="{909E8E84-426E-40DD-AFC4-6F175D3DCCD1}">
-              <a14:hiddenFill xmlns:a14="http://schemas.microsoft.com/office/drawing/2010/main">
-                <a:solidFill>
-                  <a:srgbClr val="FFFFFF"/>
-                </a:solidFill>
-              </a14:hiddenFill>
-            </a:ext>
-          </a:extLst>
-        </p:spPr>
-      </p:pic>
-      <p:pic>
-        <p:nvPicPr>
-          <p:cNvPr id="5122" name="Picture 2" descr="Billedresultat for cat icon"/>
-          <p:cNvPicPr>
-            <a:picLocks noChangeAspect="1" noChangeArrowheads="1"/>
-          </p:cNvPicPr>
-          <p:nvPr/>
-        </p:nvPicPr>
-        <p:blipFill>
-          <a:blip r:embed="rId3" cstate="print">
-            <a:extLst>
-              <a:ext uri="{28A0092B-C50C-407E-A947-70E740481C1C}">
-                <a14:useLocalDpi xmlns:a14="http://schemas.microsoft.com/office/drawing/2010/main" val="0"/>
-              </a:ext>
-            </a:extLst>
-          </a:blip>
-          <a:srcRect/>
-          <a:stretch>
-            <a:fillRect/>
-          </a:stretch>
-        </p:blipFill>
-        <p:spPr bwMode="auto">
-          <a:xfrm>
-            <a:off x="6822570" y="2663580"/>
-            <a:ext cx="778933" cy="778933"/>
-          </a:xfrm>
-          <a:prstGeom prst="rect">
-            <a:avLst/>
-          </a:prstGeom>
-          <a:noFill/>
-          <a:extLst>
-            <a:ext uri="{909E8E84-426E-40DD-AFC4-6F175D3DCCD1}">
-              <a14:hiddenFill xmlns:a14="http://schemas.microsoft.com/office/drawing/2010/main">
-                <a:solidFill>
-                  <a:srgbClr val="FFFFFF"/>
-                </a:solidFill>
-              </a14:hiddenFill>
-            </a:ext>
-          </a:extLst>
-        </p:spPr>
-      </p:pic>
-      <p:sp>
-        <p:nvSpPr>
-          <p:cNvPr id="12" name="Afrundet rektangel 11"/>
-          <p:cNvSpPr/>
-          <p:nvPr/>
-        </p:nvSpPr>
-        <p:spPr>
-          <a:xfrm>
-            <a:off x="6353043" y="3625661"/>
-            <a:ext cx="1693333" cy="1232746"/>
-          </a:xfrm>
-          <a:prstGeom prst="roundRect">
-            <a:avLst/>
-          </a:prstGeom>
-          <a:solidFill>
-            <a:srgbClr val="0070C0">
-              <a:alpha val="25000"/>
-            </a:srgbClr>
-          </a:solidFill>
-        </p:spPr>
-        <p:style>
-          <a:lnRef idx="2">
-            <a:schemeClr val="accent1">
-              <a:shade val="50000"/>
-            </a:schemeClr>
-          </a:lnRef>
-          <a:fillRef idx="1">
-            <a:schemeClr val="accent1"/>
-          </a:fillRef>
-          <a:effectRef idx="0">
-            <a:schemeClr val="accent1"/>
-          </a:effectRef>
-          <a:fontRef idx="minor">
-            <a:schemeClr val="lt1"/>
-          </a:fontRef>
-        </p:style>
-        <p:txBody>
-          <a:bodyPr rtlCol="0" anchor="t"/>
-          <a:lstStyle/>
-          <a:p>
-            <a:pPr algn="ctr"/>
-            <a:r>
-              <a:rPr lang="da-DK" sz="2800" smtClean="0"/>
-              <a:t>Dog</a:t>
-            </a:r>
-          </a:p>
-        </p:txBody>
-      </p:sp>
-      <p:sp>
-        <p:nvSpPr>
-          <p:cNvPr id="13" name="Afrundet rektangel 12"/>
-          <p:cNvSpPr/>
-          <p:nvPr/>
-        </p:nvSpPr>
-        <p:spPr>
-          <a:xfrm>
-            <a:off x="6365372" y="5012267"/>
-            <a:ext cx="1693333" cy="1232746"/>
-          </a:xfrm>
-          <a:prstGeom prst="roundRect">
-            <a:avLst/>
-          </a:prstGeom>
-          <a:solidFill>
-            <a:srgbClr val="C00000">
-              <a:alpha val="25000"/>
-            </a:srgbClr>
-          </a:solidFill>
-        </p:spPr>
-        <p:style>
-          <a:lnRef idx="2">
-            <a:schemeClr val="accent1">
-              <a:shade val="50000"/>
-            </a:schemeClr>
-          </a:lnRef>
-          <a:fillRef idx="1">
-            <a:schemeClr val="accent1"/>
-          </a:fillRef>
-          <a:effectRef idx="0">
-            <a:schemeClr val="accent1"/>
-          </a:effectRef>
-          <a:fontRef idx="minor">
-            <a:schemeClr val="lt1"/>
-          </a:fontRef>
-        </p:style>
-        <p:txBody>
-          <a:bodyPr rtlCol="0" anchor="t"/>
-          <a:lstStyle/>
-          <a:p>
-            <a:pPr algn="ctr"/>
-            <a:r>
-              <a:rPr lang="da-DK" sz="2800" smtClean="0"/>
-              <a:t>Cat</a:t>
-            </a:r>
-          </a:p>
-        </p:txBody>
-      </p:sp>
-      <p:pic>
-        <p:nvPicPr>
-          <p:cNvPr id="14" name="Picture 2" descr="Billedresultat for cat icon"/>
-          <p:cNvPicPr>
-            <a:picLocks noChangeAspect="1" noChangeArrowheads="1"/>
-          </p:cNvPicPr>
-          <p:nvPr/>
-        </p:nvPicPr>
-        <p:blipFill>
-          <a:blip r:embed="rId3" cstate="print">
-            <a:extLst>
-              <a:ext uri="{28A0092B-C50C-407E-A947-70E740481C1C}">
-                <a14:useLocalDpi xmlns:a14="http://schemas.microsoft.com/office/drawing/2010/main" val="0"/>
-              </a:ext>
-            </a:extLst>
-          </a:blip>
-          <a:srcRect/>
-          <a:stretch>
-            <a:fillRect/>
-          </a:stretch>
-        </p:blipFill>
-        <p:spPr bwMode="auto">
-          <a:xfrm>
-            <a:off x="6810244" y="5437295"/>
-            <a:ext cx="778933" cy="778933"/>
-          </a:xfrm>
-          <a:prstGeom prst="rect">
-            <a:avLst/>
-          </a:prstGeom>
-          <a:noFill/>
-          <a:extLst>
-            <a:ext uri="{909E8E84-426E-40DD-AFC4-6F175D3DCCD1}">
-              <a14:hiddenFill xmlns:a14="http://schemas.microsoft.com/office/drawing/2010/main">
-                <a:solidFill>
-                  <a:srgbClr val="FFFFFF"/>
-                </a:solidFill>
-              </a14:hiddenFill>
-            </a:ext>
-          </a:extLst>
-        </p:spPr>
-      </p:pic>
-      <p:sp>
-        <p:nvSpPr>
-          <p:cNvPr id="17" name="Afrundet rektangulær billedforklaring 16"/>
-          <p:cNvSpPr/>
-          <p:nvPr/>
-        </p:nvSpPr>
-        <p:spPr>
-          <a:xfrm>
-            <a:off x="8408683" y="3893820"/>
-            <a:ext cx="1247782" cy="697653"/>
-          </a:xfrm>
-          <a:prstGeom prst="wedgeRoundRectCallout">
-            <a:avLst>
-              <a:gd name="adj1" fmla="val -114580"/>
-              <a:gd name="adj2" fmla="val -2793"/>
-              <a:gd name="adj3" fmla="val 16667"/>
-            </a:avLst>
-          </a:prstGeom>
-          <a:solidFill>
-            <a:schemeClr val="bg1">
-              <a:lumMod val="50000"/>
-            </a:schemeClr>
-          </a:solidFill>
-        </p:spPr>
-        <p:style>
-          <a:lnRef idx="2">
-            <a:schemeClr val="accent1">
-              <a:shade val="50000"/>
-            </a:schemeClr>
-          </a:lnRef>
-          <a:fillRef idx="1">
-            <a:schemeClr val="accent1"/>
-          </a:fillRef>
-          <a:effectRef idx="0">
-            <a:schemeClr val="accent1"/>
-          </a:effectRef>
-          <a:fontRef idx="minor">
-            <a:schemeClr val="lt1"/>
-          </a:fontRef>
-        </p:style>
-        <p:txBody>
-          <a:bodyPr rtlCol="0" anchor="ctr"/>
-          <a:lstStyle/>
-          <a:p>
-            <a:pPr algn="ctr"/>
-            <a:r>
-              <a:rPr lang="da-DK" sz="3200" smtClean="0"/>
-              <a:t>Vov</a:t>
-            </a:r>
-            <a:endParaRPr lang="da-DK" sz="3200"/>
-          </a:p>
-        </p:txBody>
-      </p:sp>
-      <p:sp>
-        <p:nvSpPr>
-          <p:cNvPr id="18" name="Afrundet rektangulær billedforklaring 17"/>
-          <p:cNvSpPr/>
-          <p:nvPr/>
-        </p:nvSpPr>
-        <p:spPr>
-          <a:xfrm>
-            <a:off x="8408683" y="2507828"/>
-            <a:ext cx="1247782" cy="697653"/>
-          </a:xfrm>
-          <a:prstGeom prst="wedgeRoundRectCallout">
-            <a:avLst>
-              <a:gd name="adj1" fmla="val -155293"/>
-              <a:gd name="adj2" fmla="val 17594"/>
-              <a:gd name="adj3" fmla="val 16667"/>
-            </a:avLst>
-          </a:prstGeom>
-          <a:solidFill>
-            <a:schemeClr val="bg1">
-              <a:lumMod val="50000"/>
-            </a:schemeClr>
-          </a:solidFill>
-        </p:spPr>
-        <p:style>
-          <a:lnRef idx="2">
-            <a:schemeClr val="accent1">
-              <a:shade val="50000"/>
-            </a:schemeClr>
-          </a:lnRef>
-          <a:fillRef idx="1">
-            <a:schemeClr val="accent1"/>
-          </a:fillRef>
-          <a:effectRef idx="0">
-            <a:schemeClr val="accent1"/>
-          </a:effectRef>
-          <a:fontRef idx="minor">
-            <a:schemeClr val="lt1"/>
-          </a:fontRef>
-        </p:style>
-        <p:txBody>
-          <a:bodyPr rtlCol="0" anchor="ctr"/>
-          <a:lstStyle/>
-          <a:p>
-            <a:pPr algn="ctr"/>
-            <a:r>
-              <a:rPr lang="da-DK" sz="3200" smtClean="0"/>
-              <a:t>Miav</a:t>
-            </a:r>
-            <a:endParaRPr lang="da-DK" sz="3200"/>
-          </a:p>
-        </p:txBody>
-      </p:sp>
-      <p:sp>
-        <p:nvSpPr>
-          <p:cNvPr id="20" name="Afrundet rektangulær billedforklaring 19"/>
-          <p:cNvSpPr/>
-          <p:nvPr/>
-        </p:nvSpPr>
-        <p:spPr>
-          <a:xfrm>
-            <a:off x="8408683" y="5279813"/>
-            <a:ext cx="1247782" cy="697653"/>
-          </a:xfrm>
-          <a:prstGeom prst="wedgeRoundRectCallout">
-            <a:avLst>
-              <a:gd name="adj1" fmla="val -155293"/>
-              <a:gd name="adj2" fmla="val 17594"/>
-              <a:gd name="adj3" fmla="val 16667"/>
-            </a:avLst>
-          </a:prstGeom>
-          <a:solidFill>
-            <a:schemeClr val="bg1">
-              <a:lumMod val="50000"/>
-            </a:schemeClr>
-          </a:solidFill>
-        </p:spPr>
-        <p:style>
-          <a:lnRef idx="2">
-            <a:schemeClr val="accent1">
-              <a:shade val="50000"/>
-            </a:schemeClr>
-          </a:lnRef>
-          <a:fillRef idx="1">
-            <a:schemeClr val="accent1"/>
-          </a:fillRef>
-          <a:effectRef idx="0">
-            <a:schemeClr val="accent1"/>
-          </a:effectRef>
-          <a:fontRef idx="minor">
-            <a:schemeClr val="lt1"/>
-          </a:fontRef>
-        </p:style>
-        <p:txBody>
-          <a:bodyPr rtlCol="0" anchor="ctr"/>
-          <a:lstStyle/>
-          <a:p>
-            <a:pPr algn="ctr"/>
-            <a:r>
-              <a:rPr lang="da-DK" sz="3200" smtClean="0"/>
-              <a:t>Miav</a:t>
-            </a:r>
-            <a:endParaRPr lang="da-DK" sz="3200"/>
-          </a:p>
-        </p:txBody>
-      </p:sp>
-    </p:spTree>
-    <p:extLst>
-      <p:ext uri="{BB962C8B-B14F-4D97-AF65-F5344CB8AC3E}">
-        <p14:creationId xmlns:p14="http://schemas.microsoft.com/office/powerpoint/2010/main" val="3223894132"/>
-      </p:ext>
-    </p:extLst>
-  </p:cSld>
-  <p:clrMapOvr>
-    <a:masterClrMapping/>
-  </p:clrMapOvr>
-  <mc:AlternateContent xmlns:mc="http://schemas.openxmlformats.org/markup-compatibility/2006" xmlns:p14="http://schemas.microsoft.com/office/powerpoint/2010/main">
-    <mc:Choice Requires="p14">
-      <p:transition spd="med" p14:dur="700">
-        <p:fade/>
-      </p:transition>
-    </mc:Choice>
-    <mc:Fallback xmlns="">
-      <p:transition spd="med">
-        <p:fade/>
-      </p:transition>
-    </mc:Fallback>
-  </mc:AlternateContent>
-  <p:timing>
-    <p:tnLst>
-      <p:par>
-        <p:cTn id="1" dur="indefinite" restart="never" nodeType="tmRoot"/>
-      </p:par>
-    </p:tnLst>
-  </p:timing>
-</p:sld>
-</file>
-
-<file path=ppt/slides/slide38.xml><?xml version="1.0" encoding="utf-8"?>
-<p:sld xmlns:a="http://schemas.openxmlformats.org/drawingml/2006/main" xmlns:r="http://schemas.openxmlformats.org/officeDocument/2006/relationships" xmlns:p="http://schemas.openxmlformats.org/presentationml/2006/main">
-  <p:cSld>
-    <p:spTree>
-      <p:nvGrpSpPr>
-        <p:cNvPr id="1" name=""/>
-        <p:cNvGrpSpPr/>
-        <p:nvPr/>
-      </p:nvGrpSpPr>
-      <p:grpSpPr>
-        <a:xfrm>
-          <a:off x="0" y="0"/>
-          <a:ext cx="0" cy="0"/>
-          <a:chOff x="0" y="0"/>
-          <a:chExt cx="0" cy="0"/>
-        </a:xfrm>
-      </p:grpSpPr>
-      <p:sp>
-        <p:nvSpPr>
-          <p:cNvPr id="10" name="Afrundet rektangel 9"/>
-          <p:cNvSpPr/>
-          <p:nvPr/>
-        </p:nvSpPr>
-        <p:spPr>
-          <a:xfrm>
-            <a:off x="4477753" y="4361158"/>
-            <a:ext cx="2400614" cy="1389646"/>
-          </a:xfrm>
-          <a:prstGeom prst="roundRect">
-            <a:avLst/>
-          </a:prstGeom>
-          <a:solidFill>
-            <a:srgbClr val="0070C0"/>
-          </a:solidFill>
-        </p:spPr>
-        <p:style>
-          <a:lnRef idx="2">
-            <a:schemeClr val="accent1">
-              <a:shade val="50000"/>
-            </a:schemeClr>
-          </a:lnRef>
-          <a:fillRef idx="1">
-            <a:schemeClr val="accent1"/>
-          </a:fillRef>
-          <a:effectRef idx="0">
-            <a:schemeClr val="accent1"/>
-          </a:effectRef>
-          <a:fontRef idx="minor">
-            <a:schemeClr val="lt1"/>
-          </a:fontRef>
-        </p:style>
-        <p:txBody>
-          <a:bodyPr rtlCol="0" anchor="t"/>
-          <a:lstStyle/>
-          <a:p>
-            <a:pPr algn="ctr"/>
-            <a:r>
-              <a:rPr lang="da-DK" sz="3600" smtClean="0"/>
-              <a:t>Dog</a:t>
-            </a:r>
-            <a:endParaRPr lang="da-DK" sz="3600" smtClean="0"/>
-          </a:p>
-          <a:p>
-            <a:endParaRPr lang="da-DK" sz="2800"/>
-          </a:p>
-        </p:txBody>
-      </p:sp>
-      <p:sp>
-        <p:nvSpPr>
-          <p:cNvPr id="4" name="Afrundet rektangel 3"/>
-          <p:cNvSpPr/>
-          <p:nvPr/>
-        </p:nvSpPr>
-        <p:spPr>
-          <a:xfrm>
-            <a:off x="2077139" y="296025"/>
-            <a:ext cx="2400614" cy="1123704"/>
-          </a:xfrm>
-          <a:prstGeom prst="roundRect">
-            <a:avLst/>
-          </a:prstGeom>
-          <a:solidFill>
-            <a:schemeClr val="accent6">
-              <a:lumMod val="75000"/>
-            </a:schemeClr>
-          </a:solidFill>
-        </p:spPr>
-        <p:style>
-          <a:lnRef idx="2">
-            <a:schemeClr val="accent1">
-              <a:shade val="50000"/>
-            </a:schemeClr>
-          </a:lnRef>
-          <a:fillRef idx="1">
-            <a:schemeClr val="accent1"/>
-          </a:fillRef>
-          <a:effectRef idx="0">
-            <a:schemeClr val="accent1"/>
-          </a:effectRef>
-          <a:fontRef idx="minor">
-            <a:schemeClr val="lt1"/>
-          </a:fontRef>
-        </p:style>
-        <p:txBody>
-          <a:bodyPr rtlCol="0" anchor="t"/>
-          <a:lstStyle/>
-          <a:p>
-            <a:pPr algn="ctr"/>
-            <a:r>
-              <a:rPr lang="da-DK" sz="3600" smtClean="0"/>
-              <a:t>IAnimal</a:t>
-            </a:r>
-            <a:endParaRPr lang="da-DK" sz="3600" smtClean="0"/>
-          </a:p>
-          <a:p>
-            <a:endParaRPr lang="da-DK" sz="3600"/>
-          </a:p>
-        </p:txBody>
-      </p:sp>
-      <p:pic>
-        <p:nvPicPr>
-          <p:cNvPr id="8" name="Picture 2" descr="Billedresultat for tick icon"/>
-          <p:cNvPicPr>
-            <a:picLocks noChangeAspect="1" noChangeArrowheads="1"/>
-          </p:cNvPicPr>
-          <p:nvPr/>
-        </p:nvPicPr>
-        <p:blipFill>
-          <a:blip r:embed="rId2" cstate="print">
-            <a:extLst>
-              <a:ext uri="{28A0092B-C50C-407E-A947-70E740481C1C}">
-                <a14:useLocalDpi xmlns:a14="http://schemas.microsoft.com/office/drawing/2010/main" val="0"/>
-              </a:ext>
-            </a:extLst>
-          </a:blip>
-          <a:srcRect/>
-          <a:stretch>
-            <a:fillRect/>
-          </a:stretch>
-        </p:blipFill>
-        <p:spPr bwMode="auto">
-          <a:xfrm>
-            <a:off x="9669112" y="2170444"/>
-            <a:ext cx="1440000" cy="1440000"/>
-          </a:xfrm>
-          <a:prstGeom prst="rect">
-            <a:avLst/>
-          </a:prstGeom>
-          <a:noFill/>
-          <a:extLst>
-            <a:ext uri="{909E8E84-426E-40DD-AFC4-6F175D3DCCD1}">
-              <a14:hiddenFill xmlns:a14="http://schemas.microsoft.com/office/drawing/2010/main">
-                <a:solidFill>
-                  <a:srgbClr val="FFFFFF"/>
-                </a:solidFill>
-              </a14:hiddenFill>
-            </a:ext>
-          </a:extLst>
-        </p:spPr>
-      </p:pic>
-      <p:cxnSp>
-        <p:nvCxnSpPr>
-          <p:cNvPr id="3" name="Vinklet forbindelse 2"/>
-          <p:cNvCxnSpPr>
-            <a:stCxn id="10" idx="0"/>
-            <a:endCxn id="4" idx="2"/>
-          </p:cNvCxnSpPr>
-          <p:nvPr/>
-        </p:nvCxnSpPr>
-        <p:spPr>
-          <a:xfrm rot="16200000" flipV="1">
-            <a:off x="3007039" y="1690137"/>
-            <a:ext cx="2941429" cy="2400614"/>
-          </a:xfrm>
-          <a:prstGeom prst="bentConnector3">
-            <a:avLst>
-              <a:gd name="adj1" fmla="val 50000"/>
-            </a:avLst>
-          </a:prstGeom>
-          <a:ln w="76200">
-            <a:solidFill>
-              <a:schemeClr val="tx1"/>
-            </a:solidFill>
-            <a:headEnd w="lg" len="lg"/>
-            <a:tailEnd type="triangle" w="lg" len="lg"/>
-          </a:ln>
-        </p:spPr>
-        <p:style>
-          <a:lnRef idx="1">
-            <a:schemeClr val="accent1"/>
-          </a:lnRef>
-          <a:fillRef idx="0">
-            <a:schemeClr val="accent1"/>
-          </a:fillRef>
-          <a:effectRef idx="0">
-            <a:schemeClr val="accent1"/>
-          </a:effectRef>
-          <a:fontRef idx="minor">
-            <a:schemeClr val="tx1"/>
-          </a:fontRef>
-        </p:style>
-      </p:cxnSp>
-      <p:cxnSp>
-        <p:nvCxnSpPr>
-          <p:cNvPr id="14" name="Vinklet forbindelse 13"/>
-          <p:cNvCxnSpPr>
-            <a:stCxn id="10" idx="0"/>
-            <a:endCxn id="9" idx="2"/>
-          </p:cNvCxnSpPr>
-          <p:nvPr/>
-        </p:nvCxnSpPr>
-        <p:spPr>
-          <a:xfrm rot="5400000" flipH="1" flipV="1">
-            <a:off x="5407653" y="1690137"/>
-            <a:ext cx="2941429" cy="2400614"/>
-          </a:xfrm>
-          <a:prstGeom prst="bentConnector3">
-            <a:avLst>
-              <a:gd name="adj1" fmla="val 50000"/>
-            </a:avLst>
-          </a:prstGeom>
-          <a:ln w="76200">
-            <a:solidFill>
-              <a:schemeClr val="tx1"/>
-            </a:solidFill>
-            <a:headEnd w="lg" len="lg"/>
-            <a:tailEnd type="triangle" w="lg" len="lg"/>
-          </a:ln>
-        </p:spPr>
-        <p:style>
-          <a:lnRef idx="1">
-            <a:schemeClr val="accent1"/>
-          </a:lnRef>
-          <a:fillRef idx="0">
-            <a:schemeClr val="accent1"/>
-          </a:fillRef>
-          <a:effectRef idx="0">
-            <a:schemeClr val="accent1"/>
-          </a:effectRef>
-          <a:fontRef idx="minor">
-            <a:schemeClr val="tx1"/>
-          </a:fontRef>
-        </p:style>
-      </p:cxnSp>
-      <p:sp>
-        <p:nvSpPr>
-          <p:cNvPr id="9" name="Afrundet rektangel 8"/>
-          <p:cNvSpPr/>
-          <p:nvPr/>
-        </p:nvSpPr>
-        <p:spPr>
-          <a:xfrm>
-            <a:off x="6878367" y="296025"/>
-            <a:ext cx="2400614" cy="1123704"/>
-          </a:xfrm>
-          <a:prstGeom prst="roundRect">
-            <a:avLst/>
-          </a:prstGeom>
-          <a:solidFill>
-            <a:schemeClr val="tx1">
-              <a:lumMod val="65000"/>
-              <a:lumOff val="35000"/>
-            </a:schemeClr>
-          </a:solidFill>
-        </p:spPr>
-        <p:style>
-          <a:lnRef idx="2">
-            <a:schemeClr val="accent1">
-              <a:shade val="50000"/>
-            </a:schemeClr>
-          </a:lnRef>
-          <a:fillRef idx="1">
-            <a:schemeClr val="accent1"/>
-          </a:fillRef>
-          <a:effectRef idx="0">
-            <a:schemeClr val="accent1"/>
-          </a:effectRef>
-          <a:fontRef idx="minor">
-            <a:schemeClr val="lt1"/>
-          </a:fontRef>
-        </p:style>
-        <p:txBody>
-          <a:bodyPr rtlCol="0" anchor="t"/>
-          <a:lstStyle/>
-          <a:p>
-            <a:pPr algn="ctr"/>
-            <a:r>
-              <a:rPr lang="da-DK" sz="3600" smtClean="0"/>
-              <a:t>ISaveable</a:t>
-            </a:r>
-            <a:endParaRPr lang="da-DK" sz="3600" smtClean="0"/>
-          </a:p>
-          <a:p>
-            <a:endParaRPr lang="da-DK" sz="3600"/>
-          </a:p>
-        </p:txBody>
-      </p:sp>
-    </p:spTree>
-    <p:extLst>
-      <p:ext uri="{BB962C8B-B14F-4D97-AF65-F5344CB8AC3E}">
-        <p14:creationId xmlns:p14="http://schemas.microsoft.com/office/powerpoint/2010/main" val="2803232316"/>
-      </p:ext>
-    </p:extLst>
-  </p:cSld>
-  <p:clrMapOvr>
-    <a:masterClrMapping/>
-  </p:clrMapOvr>
-  <mc:AlternateContent xmlns:mc="http://schemas.openxmlformats.org/markup-compatibility/2006">
-    <mc:Choice xmlns:p14="http://schemas.microsoft.com/office/powerpoint/2010/main" Requires="p14">
-      <p:transition p14:dur="0"/>
-    </mc:Choice>
-    <mc:Fallback>
-      <p:transition/>
-    </mc:Fallback>
-  </mc:AlternateContent>
-  <p:timing>
-    <p:tnLst>
-      <p:par>
-        <p:cTn id="1" dur="indefinite" restart="never" nodeType="tmRoot">
-          <p:childTnLst>
-            <p:seq concurrent="1" nextAc="seek">
-              <p:cTn id="2" dur="indefinite" nodeType="mainSeq">
-                <p:childTnLst>
-                  <p:par>
-                    <p:cTn id="3" fill="hold">
-                      <p:stCondLst>
-                        <p:cond delay="indefinite"/>
-                      </p:stCondLst>
-                      <p:childTnLst>
-                        <p:par>
-                          <p:cTn id="4" fill="hold">
-                            <p:stCondLst>
-                              <p:cond delay="0"/>
-                            </p:stCondLst>
-                            <p:childTnLst>
-                              <p:par>
-                                <p:cTn id="5" presetID="10" presetClass="entr" presetSubtype="0" fill="hold" nodeType="clickEffect">
-                                  <p:stCondLst>
-                                    <p:cond delay="0"/>
-                                  </p:stCondLst>
-                                  <p:childTnLst>
-                                    <p:set>
-                                      <p:cBhvr>
-                                        <p:cTn id="6" dur="1" fill="hold">
-                                          <p:stCondLst>
-                                            <p:cond delay="0"/>
-                                          </p:stCondLst>
-                                        </p:cTn>
-                                        <p:tgtEl>
-                                          <p:spTgt spid="14"/>
-                                        </p:tgtEl>
-                                        <p:attrNameLst>
-                                          <p:attrName>style.visibility</p:attrName>
-                                        </p:attrNameLst>
-                                      </p:cBhvr>
-                                      <p:to>
-                                        <p:strVal val="visible"/>
-                                      </p:to>
-                                    </p:set>
-                                    <p:animEffect transition="in" filter="fade">
-                                      <p:cBhvr>
-                                        <p:cTn id="7" dur="500"/>
-                                        <p:tgtEl>
-                                          <p:spTgt spid="14"/>
-                                        </p:tgtEl>
-                                      </p:cBhvr>
-                                    </p:animEffect>
-                                  </p:childTnLst>
-                                </p:cTn>
-                              </p:par>
-                              <p:par>
-                                <p:cTn id="8" presetID="10" presetClass="entr" presetSubtype="0" fill="hold" grpId="0" nodeType="withEffect">
-                                  <p:stCondLst>
-                                    <p:cond delay="0"/>
-                                  </p:stCondLst>
-                                  <p:childTnLst>
-                                    <p:set>
-                                      <p:cBhvr>
-                                        <p:cTn id="9" dur="1" fill="hold">
-                                          <p:stCondLst>
-                                            <p:cond delay="0"/>
-                                          </p:stCondLst>
-                                        </p:cTn>
-                                        <p:tgtEl>
-                                          <p:spTgt spid="9"/>
-                                        </p:tgtEl>
-                                        <p:attrNameLst>
-                                          <p:attrName>style.visibility</p:attrName>
-                                        </p:attrNameLst>
-                                      </p:cBhvr>
-                                      <p:to>
-                                        <p:strVal val="visible"/>
-                                      </p:to>
-                                    </p:set>
-                                    <p:animEffect transition="in" filter="fade">
-                                      <p:cBhvr>
-                                        <p:cTn id="10" dur="500"/>
-                                        <p:tgtEl>
-                                          <p:spTgt spid="9"/>
-                                        </p:tgtEl>
-                                      </p:cBhvr>
-                                    </p:animEffect>
-                                  </p:childTnLst>
-                                </p:cTn>
-                              </p:par>
-                            </p:childTnLst>
-                          </p:cTn>
-                        </p:par>
-                      </p:childTnLst>
-                    </p:cTn>
-                  </p:par>
-                  <p:par>
-                    <p:cTn id="11" fill="hold">
-                      <p:stCondLst>
-                        <p:cond delay="indefinite"/>
-                      </p:stCondLst>
-                      <p:childTnLst>
-                        <p:par>
-                          <p:cTn id="12" fill="hold">
-                            <p:stCondLst>
-                              <p:cond delay="0"/>
-                            </p:stCondLst>
-                            <p:childTnLst>
-                              <p:par>
-                                <p:cTn id="13" presetID="10" presetClass="entr" presetSubtype="0" fill="hold" nodeType="clickEffect">
-                                  <p:stCondLst>
-                                    <p:cond delay="0"/>
-                                  </p:stCondLst>
-                                  <p:childTnLst>
-                                    <p:set>
-                                      <p:cBhvr>
-                                        <p:cTn id="14" dur="1" fill="hold">
-                                          <p:stCondLst>
-                                            <p:cond delay="0"/>
-                                          </p:stCondLst>
-                                        </p:cTn>
-                                        <p:tgtEl>
-                                          <p:spTgt spid="8"/>
-                                        </p:tgtEl>
-                                        <p:attrNameLst>
-                                          <p:attrName>style.visibility</p:attrName>
-                                        </p:attrNameLst>
-                                      </p:cBhvr>
-                                      <p:to>
-                                        <p:strVal val="visible"/>
-                                      </p:to>
-                                    </p:set>
-                                    <p:animEffect transition="in" filter="fade">
-                                      <p:cBhvr>
-                                        <p:cTn id="15" dur="500"/>
-                                        <p:tgtEl>
-                                          <p:spTgt spid="8"/>
-                                        </p:tgtEl>
-                                      </p:cBhvr>
-                                    </p:animEffect>
-                                  </p:childTnLst>
-                                </p:cTn>
-                              </p:par>
-                            </p:childTnLst>
-                          </p:cTn>
-                        </p:par>
-                      </p:childTnLst>
-                    </p:cTn>
-                  </p:par>
-                </p:childTnLst>
-              </p:cTn>
-              <p:prevCondLst>
-                <p:cond evt="onPrev" delay="0">
-                  <p:tgtEl>
-                    <p:sldTgt/>
-                  </p:tgtEl>
-                </p:cond>
-              </p:prevCondLst>
-              <p:nextCondLst>
-                <p:cond evt="onNext" delay="0">
-                  <p:tgtEl>
-                    <p:sldTgt/>
-                  </p:tgtEl>
-                </p:cond>
-              </p:nextCondLst>
-            </p:seq>
-          </p:childTnLst>
-        </p:cTn>
-      </p:par>
-    </p:tnLst>
-    <p:bldLst>
-      <p:bldP spid="9" grpId="0" animBg="1"/>
-    </p:bldLst>
-  </p:timing>
-</p:sld>
-</file>
-
-<file path=ppt/slides/slide39.xml><?xml version="1.0" encoding="utf-8"?>
-<p:sld xmlns:a="http://schemas.openxmlformats.org/drawingml/2006/main" xmlns:r="http://schemas.openxmlformats.org/officeDocument/2006/relationships" xmlns:p="http://schemas.openxmlformats.org/presentationml/2006/main">
-  <p:cSld>
-    <p:spTree>
-      <p:nvGrpSpPr>
-        <p:cNvPr id="1" name=""/>
-        <p:cNvGrpSpPr/>
-        <p:nvPr/>
-      </p:nvGrpSpPr>
-      <p:grpSpPr>
-        <a:xfrm>
-          <a:off x="0" y="0"/>
-          <a:ext cx="0" cy="0"/>
-          <a:chOff x="0" y="0"/>
-          <a:chExt cx="0" cy="0"/>
-        </a:xfrm>
-      </p:grpSpPr>
-      <p:sp>
-        <p:nvSpPr>
-          <p:cNvPr id="10" name="Afrundet rektangel 9"/>
-          <p:cNvSpPr/>
-          <p:nvPr/>
-        </p:nvSpPr>
-        <p:spPr>
-          <a:xfrm>
-            <a:off x="4477753" y="4037598"/>
-            <a:ext cx="2400614" cy="1389646"/>
-          </a:xfrm>
-          <a:prstGeom prst="roundRect">
-            <a:avLst/>
-          </a:prstGeom>
-          <a:solidFill>
-            <a:schemeClr val="accent6">
-              <a:lumMod val="75000"/>
-            </a:schemeClr>
-          </a:solidFill>
-        </p:spPr>
-        <p:style>
-          <a:lnRef idx="2">
-            <a:schemeClr val="accent1">
-              <a:shade val="50000"/>
-            </a:schemeClr>
-          </a:lnRef>
-          <a:fillRef idx="1">
-            <a:schemeClr val="accent1"/>
-          </a:fillRef>
-          <a:effectRef idx="0">
-            <a:schemeClr val="accent1"/>
-          </a:effectRef>
-          <a:fontRef idx="minor">
-            <a:schemeClr val="lt1"/>
-          </a:fontRef>
-        </p:style>
-        <p:txBody>
-          <a:bodyPr rtlCol="0" anchor="t"/>
-          <a:lstStyle/>
-          <a:p>
-            <a:pPr algn="ctr"/>
-            <a:r>
-              <a:rPr lang="da-DK" sz="3600" smtClean="0"/>
-              <a:t>Animal</a:t>
-            </a:r>
-            <a:endParaRPr lang="da-DK" sz="3600" smtClean="0"/>
-          </a:p>
-          <a:p>
-            <a:endParaRPr lang="da-DK" sz="2800"/>
-          </a:p>
-        </p:txBody>
-      </p:sp>
-      <p:sp>
-        <p:nvSpPr>
-          <p:cNvPr id="4" name="Afrundet rektangel 3"/>
-          <p:cNvSpPr/>
-          <p:nvPr/>
-        </p:nvSpPr>
-        <p:spPr>
-          <a:xfrm>
-            <a:off x="4477753" y="363758"/>
-            <a:ext cx="2400614" cy="1123704"/>
-          </a:xfrm>
-          <a:prstGeom prst="roundRect">
-            <a:avLst/>
-          </a:prstGeom>
-          <a:solidFill>
-            <a:schemeClr val="accent4">
-              <a:lumMod val="50000"/>
-            </a:schemeClr>
-          </a:solidFill>
-        </p:spPr>
-        <p:style>
-          <a:lnRef idx="2">
-            <a:schemeClr val="accent1">
-              <a:shade val="50000"/>
-            </a:schemeClr>
-          </a:lnRef>
-          <a:fillRef idx="1">
-            <a:schemeClr val="accent1"/>
-          </a:fillRef>
-          <a:effectRef idx="0">
-            <a:schemeClr val="accent1"/>
-          </a:effectRef>
-          <a:fontRef idx="minor">
-            <a:schemeClr val="lt1"/>
-          </a:fontRef>
-        </p:style>
-        <p:txBody>
-          <a:bodyPr rtlCol="0" anchor="t"/>
-          <a:lstStyle/>
-          <a:p>
-            <a:pPr algn="ctr"/>
-            <a:r>
-              <a:rPr lang="da-DK" sz="3600" smtClean="0"/>
-              <a:t>Object</a:t>
-            </a:r>
-            <a:endParaRPr lang="da-DK" sz="3600" smtClean="0"/>
-          </a:p>
-          <a:p>
-            <a:endParaRPr lang="da-DK" sz="3600"/>
-          </a:p>
-        </p:txBody>
-      </p:sp>
-      <p:cxnSp>
-        <p:nvCxnSpPr>
-          <p:cNvPr id="11" name="Lige pilforbindelse 10"/>
-          <p:cNvCxnSpPr>
-            <a:stCxn id="10" idx="0"/>
-            <a:endCxn id="4" idx="2"/>
-          </p:cNvCxnSpPr>
-          <p:nvPr/>
-        </p:nvCxnSpPr>
-        <p:spPr>
-          <a:xfrm flipV="1">
-            <a:off x="5678060" y="1487462"/>
-            <a:ext cx="0" cy="2550136"/>
-          </a:xfrm>
-          <a:prstGeom prst="straightConnector1">
-            <a:avLst/>
-          </a:prstGeom>
-          <a:ln w="76200">
-            <a:solidFill>
-              <a:schemeClr val="tx1"/>
-            </a:solidFill>
-            <a:headEnd type="none" w="lg" len="lg"/>
-            <a:tailEnd type="triangle" w="lg" len="lg"/>
-          </a:ln>
-        </p:spPr>
-        <p:style>
-          <a:lnRef idx="1">
-            <a:schemeClr val="accent1"/>
-          </a:lnRef>
-          <a:fillRef idx="0">
-            <a:schemeClr val="accent1"/>
-          </a:fillRef>
-          <a:effectRef idx="0">
-            <a:schemeClr val="accent1"/>
-          </a:effectRef>
-          <a:fontRef idx="minor">
-            <a:schemeClr val="tx1"/>
-          </a:fontRef>
-        </p:style>
-      </p:cxnSp>
-    </p:spTree>
-    <p:extLst>
-      <p:ext uri="{BB962C8B-B14F-4D97-AF65-F5344CB8AC3E}">
-        <p14:creationId xmlns:p14="http://schemas.microsoft.com/office/powerpoint/2010/main" val="3220722539"/>
-      </p:ext>
-    </p:extLst>
-  </p:cSld>
-  <p:clrMapOvr>
-    <a:masterClrMapping/>
-  </p:clrMapOvr>
-  <mc:AlternateContent xmlns:mc="http://schemas.openxmlformats.org/markup-compatibility/2006">
-    <mc:Choice xmlns:p14="http://schemas.microsoft.com/office/powerpoint/2010/main" Requires="p14">
-      <p:transition p14:dur="0"/>
-    </mc:Choice>
-    <mc:Fallback>
-      <p:transition/>
     </mc:Fallback>
   </mc:AlternateContent>
   <p:timing>
@@ -17327,7 +15883,6 @@
               <a:rPr lang="da-DK" sz="5400" smtClean="0"/>
               <a:t>Animal</a:t>
             </a:r>
-            <a:endParaRPr lang="da-DK" sz="5400" smtClean="0"/>
           </a:p>
           <a:p>
             <a:endParaRPr lang="da-DK" sz="2800"/>
@@ -17377,7 +15932,6 @@
               <a:rPr lang="da-DK" sz="5400" smtClean="0"/>
               <a:t>Dog</a:t>
             </a:r>
-            <a:endParaRPr lang="da-DK" sz="5400" smtClean="0"/>
           </a:p>
           <a:p>
             <a:endParaRPr lang="da-DK" sz="2800"/>
@@ -17678,14 +16232,318 @@
       </p:grpSpPr>
       <p:sp>
         <p:nvSpPr>
-          <p:cNvPr id="10" name="Afrundet rektangel 9"/>
+          <p:cNvPr id="8" name="Tekstfelt 7"/>
+          <p:cNvSpPr txBox="1"/>
+          <p:nvPr/>
+        </p:nvSpPr>
+        <p:spPr>
+          <a:xfrm>
+            <a:off x="379974" y="366683"/>
+            <a:ext cx="7280666" cy="4154984"/>
+          </a:xfrm>
+          <a:prstGeom prst="rect">
+            <a:avLst/>
+          </a:prstGeom>
+          <a:noFill/>
+        </p:spPr>
+        <p:txBody>
+          <a:bodyPr wrap="square" rtlCol="0">
+            <a:spAutoFit/>
+          </a:bodyPr>
+          <a:lstStyle/>
+          <a:p>
+            <a:r>
+              <a:rPr lang="en-US" sz="2400" b="1" smtClean="0">
+                <a:latin typeface="Consolas" panose="020B0609020204030204" pitchFamily="49" charset="0"/>
+              </a:rPr>
+              <a:t>List&lt;</a:t>
+            </a:r>
+            <a:r>
+              <a:rPr lang="en-US" sz="2400" b="1" smtClean="0">
+                <a:solidFill>
+                  <a:schemeClr val="accent6">
+                    <a:lumMod val="75000"/>
+                  </a:schemeClr>
+                </a:solidFill>
+                <a:latin typeface="Consolas" panose="020B0609020204030204" pitchFamily="49" charset="0"/>
+              </a:rPr>
+              <a:t>IAnimal</a:t>
+            </a:r>
+            <a:r>
+              <a:rPr lang="en-US" sz="2400" b="1" smtClean="0">
+                <a:latin typeface="Consolas" panose="020B0609020204030204" pitchFamily="49" charset="0"/>
+              </a:rPr>
+              <a:t>&gt; zoo = </a:t>
+            </a:r>
+            <a:r>
+              <a:rPr lang="en-US" sz="2400" b="1">
+                <a:solidFill>
+                  <a:srgbClr val="0070C0"/>
+                </a:solidFill>
+                <a:latin typeface="Consolas" panose="020B0609020204030204" pitchFamily="49" charset="0"/>
+              </a:rPr>
+              <a:t>new</a:t>
+            </a:r>
+            <a:r>
+              <a:rPr lang="en-US" sz="2400" b="1" smtClean="0">
+                <a:latin typeface="Consolas" panose="020B0609020204030204" pitchFamily="49" charset="0"/>
+              </a:rPr>
+              <a:t> List&lt;</a:t>
+            </a:r>
+            <a:r>
+              <a:rPr lang="en-US" sz="2400" b="1" smtClean="0">
+                <a:solidFill>
+                  <a:schemeClr val="accent6">
+                    <a:lumMod val="75000"/>
+                  </a:schemeClr>
+                </a:solidFill>
+                <a:latin typeface="Consolas" panose="020B0609020204030204" pitchFamily="49" charset="0"/>
+              </a:rPr>
+              <a:t>IAnimal</a:t>
+            </a:r>
+            <a:r>
+              <a:rPr lang="en-US" sz="2400" b="1" smtClean="0">
+                <a:latin typeface="Consolas" panose="020B0609020204030204" pitchFamily="49" charset="0"/>
+              </a:rPr>
+              <a:t>&gt;();</a:t>
+            </a:r>
+          </a:p>
+          <a:p>
+            <a:r>
+              <a:rPr lang="en-US" sz="2400" b="1" smtClean="0">
+                <a:latin typeface="Consolas" panose="020B0609020204030204" pitchFamily="49" charset="0"/>
+              </a:rPr>
+              <a:t>zoo.Add(</a:t>
+            </a:r>
+            <a:r>
+              <a:rPr lang="en-US" sz="2400" b="1">
+                <a:solidFill>
+                  <a:srgbClr val="0070C0"/>
+                </a:solidFill>
+                <a:latin typeface="Consolas" panose="020B0609020204030204" pitchFamily="49" charset="0"/>
+              </a:rPr>
+              <a:t>new</a:t>
+            </a:r>
+            <a:r>
+              <a:rPr lang="en-US" sz="2400" b="1">
+                <a:latin typeface="Consolas" panose="020B0609020204030204" pitchFamily="49" charset="0"/>
+              </a:rPr>
+              <a:t> </a:t>
+            </a:r>
+            <a:r>
+              <a:rPr lang="en-US" sz="2400" b="1" smtClean="0">
+                <a:solidFill>
+                  <a:schemeClr val="accent6">
+                    <a:lumMod val="75000"/>
+                  </a:schemeClr>
+                </a:solidFill>
+                <a:latin typeface="Consolas" panose="020B0609020204030204" pitchFamily="49" charset="0"/>
+              </a:rPr>
+              <a:t>Cat</a:t>
+            </a:r>
+            <a:r>
+              <a:rPr lang="en-US" sz="2400" b="1" smtClean="0">
+                <a:latin typeface="Consolas" panose="020B0609020204030204" pitchFamily="49" charset="0"/>
+              </a:rPr>
+              <a:t>(…));</a:t>
+            </a:r>
+          </a:p>
+          <a:p>
+            <a:r>
+              <a:rPr lang="en-US" sz="2400" b="1" smtClean="0">
+                <a:latin typeface="Consolas" panose="020B0609020204030204" pitchFamily="49" charset="0"/>
+              </a:rPr>
+              <a:t>zoo.Add(</a:t>
+            </a:r>
+            <a:r>
+              <a:rPr lang="en-US" sz="2400" b="1">
+                <a:solidFill>
+                  <a:srgbClr val="0070C0"/>
+                </a:solidFill>
+                <a:latin typeface="Consolas" panose="020B0609020204030204" pitchFamily="49" charset="0"/>
+              </a:rPr>
+              <a:t>new</a:t>
+            </a:r>
+            <a:r>
+              <a:rPr lang="en-US" sz="2400" b="1">
+                <a:latin typeface="Consolas" panose="020B0609020204030204" pitchFamily="49" charset="0"/>
+              </a:rPr>
+              <a:t> </a:t>
+            </a:r>
+            <a:r>
+              <a:rPr lang="en-US" sz="2400" b="1" smtClean="0">
+                <a:solidFill>
+                  <a:schemeClr val="accent6">
+                    <a:lumMod val="75000"/>
+                  </a:schemeClr>
+                </a:solidFill>
+                <a:latin typeface="Consolas" panose="020B0609020204030204" pitchFamily="49" charset="0"/>
+              </a:rPr>
+              <a:t>Dog</a:t>
+            </a:r>
+            <a:r>
+              <a:rPr lang="en-US" sz="2400" b="1" smtClean="0">
+                <a:latin typeface="Consolas" panose="020B0609020204030204" pitchFamily="49" charset="0"/>
+              </a:rPr>
+              <a:t>(…));</a:t>
+            </a:r>
+          </a:p>
+          <a:p>
+            <a:r>
+              <a:rPr lang="en-US" sz="2400" b="1" smtClean="0">
+                <a:latin typeface="Consolas" panose="020B0609020204030204" pitchFamily="49" charset="0"/>
+              </a:rPr>
+              <a:t>zoo.Add(</a:t>
+            </a:r>
+            <a:r>
+              <a:rPr lang="en-US" sz="2400" b="1">
+                <a:solidFill>
+                  <a:srgbClr val="0070C0"/>
+                </a:solidFill>
+                <a:latin typeface="Consolas" panose="020B0609020204030204" pitchFamily="49" charset="0"/>
+              </a:rPr>
+              <a:t>new</a:t>
+            </a:r>
+            <a:r>
+              <a:rPr lang="en-US" sz="2400" b="1">
+                <a:latin typeface="Consolas" panose="020B0609020204030204" pitchFamily="49" charset="0"/>
+              </a:rPr>
+              <a:t> </a:t>
+            </a:r>
+            <a:r>
+              <a:rPr lang="en-US" sz="2400" b="1">
+                <a:solidFill>
+                  <a:schemeClr val="accent6">
+                    <a:lumMod val="75000"/>
+                  </a:schemeClr>
+                </a:solidFill>
+                <a:latin typeface="Consolas" panose="020B0609020204030204" pitchFamily="49" charset="0"/>
+              </a:rPr>
+              <a:t>Cat</a:t>
+            </a:r>
+            <a:r>
+              <a:rPr lang="en-US" sz="2400" b="1" smtClean="0">
+                <a:latin typeface="Consolas" panose="020B0609020204030204" pitchFamily="49" charset="0"/>
+              </a:rPr>
+              <a:t>(…));</a:t>
+            </a:r>
+          </a:p>
+          <a:p>
+            <a:endParaRPr lang="en-US" sz="2400" b="1">
+              <a:latin typeface="Consolas" panose="020B0609020204030204" pitchFamily="49" charset="0"/>
+            </a:endParaRPr>
+          </a:p>
+          <a:p>
+            <a:endParaRPr lang="en-US" sz="2400" b="1" smtClean="0">
+              <a:latin typeface="Consolas" panose="020B0609020204030204" pitchFamily="49" charset="0"/>
+            </a:endParaRPr>
+          </a:p>
+          <a:p>
+            <a:r>
+              <a:rPr lang="en-US" sz="2400" b="1">
+                <a:solidFill>
+                  <a:srgbClr val="0070C0"/>
+                </a:solidFill>
+                <a:latin typeface="Consolas" panose="020B0609020204030204" pitchFamily="49" charset="0"/>
+              </a:rPr>
+              <a:t>foreach</a:t>
+            </a:r>
+            <a:r>
+              <a:rPr lang="en-US" sz="2400" b="1" smtClean="0">
+                <a:latin typeface="Consolas" panose="020B0609020204030204" pitchFamily="49" charset="0"/>
+              </a:rPr>
+              <a:t> (</a:t>
+            </a:r>
+            <a:r>
+              <a:rPr lang="en-US" sz="2400" b="1" smtClean="0">
+                <a:solidFill>
+                  <a:schemeClr val="accent6">
+                    <a:lumMod val="75000"/>
+                  </a:schemeClr>
+                </a:solidFill>
+                <a:latin typeface="Consolas" panose="020B0609020204030204" pitchFamily="49" charset="0"/>
+              </a:rPr>
+              <a:t>IAnimal</a:t>
+            </a:r>
+            <a:r>
+              <a:rPr lang="en-US" sz="2400" b="1" smtClean="0">
+                <a:latin typeface="Consolas" panose="020B0609020204030204" pitchFamily="49" charset="0"/>
+              </a:rPr>
+              <a:t> </a:t>
+            </a:r>
+            <a:r>
+              <a:rPr lang="en-US" sz="2400" b="1">
+                <a:latin typeface="Consolas" panose="020B0609020204030204" pitchFamily="49" charset="0"/>
+              </a:rPr>
+              <a:t>a </a:t>
+            </a:r>
+            <a:r>
+              <a:rPr lang="en-US" sz="2400" b="1">
+                <a:solidFill>
+                  <a:srgbClr val="0070C0"/>
+                </a:solidFill>
+                <a:latin typeface="Consolas" panose="020B0609020204030204" pitchFamily="49" charset="0"/>
+              </a:rPr>
+              <a:t>in</a:t>
+            </a:r>
+            <a:r>
+              <a:rPr lang="en-US" sz="2400" b="1">
+                <a:latin typeface="Consolas" panose="020B0609020204030204" pitchFamily="49" charset="0"/>
+              </a:rPr>
+              <a:t> zoo)</a:t>
+            </a:r>
+          </a:p>
+          <a:p>
+            <a:r>
+              <a:rPr lang="da-DK" sz="2400" b="1" smtClean="0">
+                <a:latin typeface="Consolas" panose="020B0609020204030204" pitchFamily="49" charset="0"/>
+              </a:rPr>
+              <a:t>{</a:t>
+            </a:r>
+            <a:endParaRPr lang="da-DK" sz="2400" b="1">
+              <a:latin typeface="Consolas" panose="020B0609020204030204" pitchFamily="49" charset="0"/>
+            </a:endParaRPr>
+          </a:p>
+          <a:p>
+            <a:r>
+              <a:rPr lang="da-DK" sz="2400" b="1" smtClean="0">
+                <a:latin typeface="Consolas" panose="020B0609020204030204" pitchFamily="49" charset="0"/>
+              </a:rPr>
+              <a:t>   a.Sound</a:t>
+            </a:r>
+            <a:r>
+              <a:rPr lang="da-DK" sz="2400" b="1">
+                <a:latin typeface="Consolas" panose="020B0609020204030204" pitchFamily="49" charset="0"/>
+              </a:rPr>
+              <a:t>();</a:t>
+            </a:r>
+          </a:p>
+          <a:p>
+            <a:r>
+              <a:rPr lang="da-DK" sz="2400" b="1" smtClean="0">
+                <a:latin typeface="Consolas" panose="020B0609020204030204" pitchFamily="49" charset="0"/>
+              </a:rPr>
+              <a:t>}</a:t>
+            </a:r>
+            <a:endParaRPr lang="en-US" sz="2400" b="1">
+              <a:latin typeface="Consolas" panose="020B0609020204030204" pitchFamily="49" charset="0"/>
+            </a:endParaRPr>
+          </a:p>
+          <a:p>
+            <a:endParaRPr lang="da-DK" sz="2400"/>
+          </a:p>
+        </p:txBody>
+      </p:sp>
+      <p:sp>
+        <p:nvSpPr>
+          <p:cNvPr id="6" name="Afrundet rektangel 5"/>
           <p:cNvSpPr/>
           <p:nvPr/>
         </p:nvSpPr>
         <p:spPr>
           <a:xfrm>
-            <a:off x="4477753" y="4037598"/>
-            <a:ext cx="2400614" cy="1389646"/>
+            <a:off x="5960533" y="1423682"/>
+            <a:ext cx="2384213" cy="5004211"/>
           </a:xfrm>
           <a:prstGeom prst="roundRect">
             <a:avLst/>
@@ -17718,13 +16576,9 @@
           <a:p>
             <a:pPr algn="ctr"/>
             <a:r>
-              <a:rPr lang="da-DK" sz="3600" smtClean="0"/>
-              <a:t>Animal</a:t>
-            </a:r>
-            <a:endParaRPr lang="da-DK" sz="3600" smtClean="0"/>
-          </a:p>
-          <a:p>
-            <a:endParaRPr lang="da-DK" sz="2800"/>
+              <a:rPr lang="da-DK" sz="2800" smtClean="0"/>
+              <a:t>List&lt;IAnimal&gt;</a:t>
+            </a:r>
           </a:p>
         </p:txBody>
       </p:sp>
@@ -17736,14 +16590,285 @@
         </p:nvSpPr>
         <p:spPr>
           <a:xfrm>
-            <a:off x="4477753" y="363758"/>
-            <a:ext cx="2400614" cy="2792616"/>
+            <a:off x="6365373" y="2240282"/>
+            <a:ext cx="1693333" cy="1232746"/>
           </a:xfrm>
           <a:prstGeom prst="roundRect">
             <a:avLst/>
           </a:prstGeom>
           <a:solidFill>
-            <a:schemeClr val="accent4">
+            <a:srgbClr val="C00000">
+              <a:alpha val="25000"/>
+            </a:srgbClr>
+          </a:solidFill>
+        </p:spPr>
+        <p:style>
+          <a:lnRef idx="2">
+            <a:schemeClr val="accent1">
+              <a:shade val="50000"/>
+            </a:schemeClr>
+          </a:lnRef>
+          <a:fillRef idx="1">
+            <a:schemeClr val="accent1"/>
+          </a:fillRef>
+          <a:effectRef idx="0">
+            <a:schemeClr val="accent1"/>
+          </a:effectRef>
+          <a:fontRef idx="minor">
+            <a:schemeClr val="lt1"/>
+          </a:fontRef>
+        </p:style>
+        <p:txBody>
+          <a:bodyPr rtlCol="0" anchor="t"/>
+          <a:lstStyle/>
+          <a:p>
+            <a:pPr algn="ctr"/>
+            <a:r>
+              <a:rPr lang="da-DK" sz="2800" smtClean="0"/>
+              <a:t>Cat</a:t>
+            </a:r>
+          </a:p>
+        </p:txBody>
+      </p:sp>
+      <p:pic>
+        <p:nvPicPr>
+          <p:cNvPr id="2052" name="Picture 4" descr="Billedresultat for dog icon"/>
+          <p:cNvPicPr>
+            <a:picLocks noChangeAspect="1" noChangeArrowheads="1"/>
+          </p:cNvPicPr>
+          <p:nvPr/>
+        </p:nvPicPr>
+        <p:blipFill>
+          <a:blip r:embed="rId2" cstate="print">
+            <a:extLst>
+              <a:ext uri="{28A0092B-C50C-407E-A947-70E740481C1C}">
+                <a14:useLocalDpi xmlns:a14="http://schemas.microsoft.com/office/drawing/2010/main" val="0"/>
+              </a:ext>
+            </a:extLst>
+          </a:blip>
+          <a:srcRect/>
+          <a:stretch>
+            <a:fillRect/>
+          </a:stretch>
+        </p:blipFill>
+        <p:spPr bwMode="auto">
+          <a:xfrm>
+            <a:off x="6715350" y="3949467"/>
+            <a:ext cx="993375" cy="993375"/>
+          </a:xfrm>
+          <a:prstGeom prst="rect">
+            <a:avLst/>
+          </a:prstGeom>
+          <a:noFill/>
+          <a:extLst>
+            <a:ext uri="{909E8E84-426E-40DD-AFC4-6F175D3DCCD1}">
+              <a14:hiddenFill xmlns:a14="http://schemas.microsoft.com/office/drawing/2010/main">
+                <a:solidFill>
+                  <a:srgbClr val="FFFFFF"/>
+                </a:solidFill>
+              </a14:hiddenFill>
+            </a:ext>
+          </a:extLst>
+        </p:spPr>
+      </p:pic>
+      <p:pic>
+        <p:nvPicPr>
+          <p:cNvPr id="5122" name="Picture 2" descr="Billedresultat for cat icon"/>
+          <p:cNvPicPr>
+            <a:picLocks noChangeAspect="1" noChangeArrowheads="1"/>
+          </p:cNvPicPr>
+          <p:nvPr/>
+        </p:nvPicPr>
+        <p:blipFill>
+          <a:blip r:embed="rId3" cstate="print">
+            <a:extLst>
+              <a:ext uri="{28A0092B-C50C-407E-A947-70E740481C1C}">
+                <a14:useLocalDpi xmlns:a14="http://schemas.microsoft.com/office/drawing/2010/main" val="0"/>
+              </a:ext>
+            </a:extLst>
+          </a:blip>
+          <a:srcRect/>
+          <a:stretch>
+            <a:fillRect/>
+          </a:stretch>
+        </p:blipFill>
+        <p:spPr bwMode="auto">
+          <a:xfrm>
+            <a:off x="6822570" y="2663580"/>
+            <a:ext cx="778933" cy="778933"/>
+          </a:xfrm>
+          <a:prstGeom prst="rect">
+            <a:avLst/>
+          </a:prstGeom>
+          <a:noFill/>
+          <a:extLst>
+            <a:ext uri="{909E8E84-426E-40DD-AFC4-6F175D3DCCD1}">
+              <a14:hiddenFill xmlns:a14="http://schemas.microsoft.com/office/drawing/2010/main">
+                <a:solidFill>
+                  <a:srgbClr val="FFFFFF"/>
+                </a:solidFill>
+              </a14:hiddenFill>
+            </a:ext>
+          </a:extLst>
+        </p:spPr>
+      </p:pic>
+      <p:sp>
+        <p:nvSpPr>
+          <p:cNvPr id="12" name="Afrundet rektangel 11"/>
+          <p:cNvSpPr/>
+          <p:nvPr/>
+        </p:nvSpPr>
+        <p:spPr>
+          <a:xfrm>
+            <a:off x="6353043" y="3625661"/>
+            <a:ext cx="1693333" cy="1232746"/>
+          </a:xfrm>
+          <a:prstGeom prst="roundRect">
+            <a:avLst/>
+          </a:prstGeom>
+          <a:solidFill>
+            <a:srgbClr val="0070C0">
+              <a:alpha val="25000"/>
+            </a:srgbClr>
+          </a:solidFill>
+        </p:spPr>
+        <p:style>
+          <a:lnRef idx="2">
+            <a:schemeClr val="accent1">
+              <a:shade val="50000"/>
+            </a:schemeClr>
+          </a:lnRef>
+          <a:fillRef idx="1">
+            <a:schemeClr val="accent1"/>
+          </a:fillRef>
+          <a:effectRef idx="0">
+            <a:schemeClr val="accent1"/>
+          </a:effectRef>
+          <a:fontRef idx="minor">
+            <a:schemeClr val="lt1"/>
+          </a:fontRef>
+        </p:style>
+        <p:txBody>
+          <a:bodyPr rtlCol="0" anchor="t"/>
+          <a:lstStyle/>
+          <a:p>
+            <a:pPr algn="ctr"/>
+            <a:r>
+              <a:rPr lang="da-DK" sz="2800" smtClean="0"/>
+              <a:t>Dog</a:t>
+            </a:r>
+          </a:p>
+        </p:txBody>
+      </p:sp>
+      <p:sp>
+        <p:nvSpPr>
+          <p:cNvPr id="13" name="Afrundet rektangel 12"/>
+          <p:cNvSpPr/>
+          <p:nvPr/>
+        </p:nvSpPr>
+        <p:spPr>
+          <a:xfrm>
+            <a:off x="6365372" y="5012267"/>
+            <a:ext cx="1693333" cy="1232746"/>
+          </a:xfrm>
+          <a:prstGeom prst="roundRect">
+            <a:avLst/>
+          </a:prstGeom>
+          <a:solidFill>
+            <a:srgbClr val="C00000">
+              <a:alpha val="25000"/>
+            </a:srgbClr>
+          </a:solidFill>
+        </p:spPr>
+        <p:style>
+          <a:lnRef idx="2">
+            <a:schemeClr val="accent1">
+              <a:shade val="50000"/>
+            </a:schemeClr>
+          </a:lnRef>
+          <a:fillRef idx="1">
+            <a:schemeClr val="accent1"/>
+          </a:fillRef>
+          <a:effectRef idx="0">
+            <a:schemeClr val="accent1"/>
+          </a:effectRef>
+          <a:fontRef idx="minor">
+            <a:schemeClr val="lt1"/>
+          </a:fontRef>
+        </p:style>
+        <p:txBody>
+          <a:bodyPr rtlCol="0" anchor="t"/>
+          <a:lstStyle/>
+          <a:p>
+            <a:pPr algn="ctr"/>
+            <a:r>
+              <a:rPr lang="da-DK" sz="2800" smtClean="0"/>
+              <a:t>Cat</a:t>
+            </a:r>
+          </a:p>
+        </p:txBody>
+      </p:sp>
+      <p:pic>
+        <p:nvPicPr>
+          <p:cNvPr id="14" name="Picture 2" descr="Billedresultat for cat icon"/>
+          <p:cNvPicPr>
+            <a:picLocks noChangeAspect="1" noChangeArrowheads="1"/>
+          </p:cNvPicPr>
+          <p:nvPr/>
+        </p:nvPicPr>
+        <p:blipFill>
+          <a:blip r:embed="rId3" cstate="print">
+            <a:extLst>
+              <a:ext uri="{28A0092B-C50C-407E-A947-70E740481C1C}">
+                <a14:useLocalDpi xmlns:a14="http://schemas.microsoft.com/office/drawing/2010/main" val="0"/>
+              </a:ext>
+            </a:extLst>
+          </a:blip>
+          <a:srcRect/>
+          <a:stretch>
+            <a:fillRect/>
+          </a:stretch>
+        </p:blipFill>
+        <p:spPr bwMode="auto">
+          <a:xfrm>
+            <a:off x="6810244" y="5437295"/>
+            <a:ext cx="778933" cy="778933"/>
+          </a:xfrm>
+          <a:prstGeom prst="rect">
+            <a:avLst/>
+          </a:prstGeom>
+          <a:noFill/>
+          <a:extLst>
+            <a:ext uri="{909E8E84-426E-40DD-AFC4-6F175D3DCCD1}">
+              <a14:hiddenFill xmlns:a14="http://schemas.microsoft.com/office/drawing/2010/main">
+                <a:solidFill>
+                  <a:srgbClr val="FFFFFF"/>
+                </a:solidFill>
+              </a14:hiddenFill>
+            </a:ext>
+          </a:extLst>
+        </p:spPr>
+      </p:pic>
+      <p:sp>
+        <p:nvSpPr>
+          <p:cNvPr id="17" name="Afrundet rektangulær billedforklaring 16"/>
+          <p:cNvSpPr/>
+          <p:nvPr/>
+        </p:nvSpPr>
+        <p:spPr>
+          <a:xfrm>
+            <a:off x="8408683" y="3893820"/>
+            <a:ext cx="1247782" cy="697653"/>
+          </a:xfrm>
+          <a:prstGeom prst="wedgeRoundRectCallout">
+            <a:avLst>
+              <a:gd name="adj1" fmla="val -114580"/>
+              <a:gd name="adj2" fmla="val -2793"/>
+              <a:gd name="adj3" fmla="val 16667"/>
+            </a:avLst>
+          </a:prstGeom>
+          <a:solidFill>
+            <a:schemeClr val="bg1">
               <a:lumMod val="50000"/>
             </a:schemeClr>
           </a:solidFill>
@@ -17765,92 +16890,128 @@
           </a:fontRef>
         </p:style>
         <p:txBody>
-          <a:bodyPr rtlCol="0" anchor="t"/>
+          <a:bodyPr rtlCol="0" anchor="ctr"/>
           <a:lstStyle/>
           <a:p>
             <a:pPr algn="ctr"/>
             <a:r>
-              <a:rPr lang="da-DK" sz="3600" smtClean="0"/>
-              <a:t>Object</a:t>
-            </a:r>
-          </a:p>
-          <a:p>
-            <a:r>
-              <a:rPr lang="da-DK" sz="2400" smtClean="0"/>
-              <a:t>Equals</a:t>
-            </a:r>
-          </a:p>
-          <a:p>
-            <a:r>
-              <a:rPr lang="da-DK" sz="2400" smtClean="0"/>
-              <a:t>GetHashCode</a:t>
-            </a:r>
-          </a:p>
-          <a:p>
-            <a:r>
-              <a:rPr lang="da-DK" sz="2400" smtClean="0"/>
-              <a:t>ToString</a:t>
-            </a:r>
-          </a:p>
-          <a:p>
-            <a:r>
-              <a:rPr lang="da-DK" sz="2400" smtClean="0"/>
-              <a:t>…</a:t>
-            </a:r>
-          </a:p>
-          <a:p>
-            <a:pPr algn="ctr"/>
-            <a:endParaRPr lang="da-DK" sz="3600" smtClean="0"/>
-          </a:p>
-          <a:p>
-            <a:endParaRPr lang="da-DK" sz="3600"/>
+              <a:rPr lang="da-DK" sz="3200" smtClean="0"/>
+              <a:t>Vov</a:t>
+            </a:r>
+            <a:endParaRPr lang="da-DK" sz="3200"/>
           </a:p>
         </p:txBody>
       </p:sp>
-      <p:cxnSp>
-        <p:nvCxnSpPr>
-          <p:cNvPr id="11" name="Lige pilforbindelse 10"/>
-          <p:cNvCxnSpPr>
-            <a:stCxn id="10" idx="0"/>
-            <a:endCxn id="4" idx="2"/>
-          </p:cNvCxnSpPr>
+      <p:sp>
+        <p:nvSpPr>
+          <p:cNvPr id="18" name="Afrundet rektangulær billedforklaring 17"/>
+          <p:cNvSpPr/>
           <p:nvPr/>
-        </p:nvCxnSpPr>
+        </p:nvSpPr>
         <p:spPr>
-          <a:xfrm flipV="1">
-            <a:off x="5678060" y="3156374"/>
-            <a:ext cx="0" cy="881224"/>
+          <a:xfrm>
+            <a:off x="8408683" y="2507828"/>
+            <a:ext cx="1247782" cy="697653"/>
           </a:xfrm>
-          <a:prstGeom prst="straightConnector1">
-            <a:avLst/>
+          <a:prstGeom prst="wedgeRoundRectCallout">
+            <a:avLst>
+              <a:gd name="adj1" fmla="val -155293"/>
+              <a:gd name="adj2" fmla="val 17594"/>
+              <a:gd name="adj3" fmla="val 16667"/>
+            </a:avLst>
           </a:prstGeom>
-          <a:ln w="76200">
-            <a:solidFill>
-              <a:schemeClr val="tx1"/>
-            </a:solidFill>
-            <a:headEnd type="none" w="lg" len="lg"/>
-            <a:tailEnd type="triangle" w="lg" len="lg"/>
-          </a:ln>
+          <a:solidFill>
+            <a:schemeClr val="bg1">
+              <a:lumMod val="50000"/>
+            </a:schemeClr>
+          </a:solidFill>
         </p:spPr>
         <p:style>
-          <a:lnRef idx="1">
-            <a:schemeClr val="accent1"/>
+          <a:lnRef idx="2">
+            <a:schemeClr val="accent1">
+              <a:shade val="50000"/>
+            </a:schemeClr>
           </a:lnRef>
-          <a:fillRef idx="0">
+          <a:fillRef idx="1">
             <a:schemeClr val="accent1"/>
           </a:fillRef>
           <a:effectRef idx="0">
             <a:schemeClr val="accent1"/>
           </a:effectRef>
           <a:fontRef idx="minor">
-            <a:schemeClr val="tx1"/>
+            <a:schemeClr val="lt1"/>
           </a:fontRef>
         </p:style>
-      </p:cxnSp>
+        <p:txBody>
+          <a:bodyPr rtlCol="0" anchor="ctr"/>
+          <a:lstStyle/>
+          <a:p>
+            <a:pPr algn="ctr"/>
+            <a:r>
+              <a:rPr lang="da-DK" sz="3200" smtClean="0"/>
+              <a:t>Miav</a:t>
+            </a:r>
+            <a:endParaRPr lang="da-DK" sz="3200"/>
+          </a:p>
+        </p:txBody>
+      </p:sp>
+      <p:sp>
+        <p:nvSpPr>
+          <p:cNvPr id="20" name="Afrundet rektangulær billedforklaring 19"/>
+          <p:cNvSpPr/>
+          <p:nvPr/>
+        </p:nvSpPr>
+        <p:spPr>
+          <a:xfrm>
+            <a:off x="8408683" y="5279813"/>
+            <a:ext cx="1247782" cy="697653"/>
+          </a:xfrm>
+          <a:prstGeom prst="wedgeRoundRectCallout">
+            <a:avLst>
+              <a:gd name="adj1" fmla="val -155293"/>
+              <a:gd name="adj2" fmla="val 17594"/>
+              <a:gd name="adj3" fmla="val 16667"/>
+            </a:avLst>
+          </a:prstGeom>
+          <a:solidFill>
+            <a:schemeClr val="bg1">
+              <a:lumMod val="50000"/>
+            </a:schemeClr>
+          </a:solidFill>
+        </p:spPr>
+        <p:style>
+          <a:lnRef idx="2">
+            <a:schemeClr val="accent1">
+              <a:shade val="50000"/>
+            </a:schemeClr>
+          </a:lnRef>
+          <a:fillRef idx="1">
+            <a:schemeClr val="accent1"/>
+          </a:fillRef>
+          <a:effectRef idx="0">
+            <a:schemeClr val="accent1"/>
+          </a:effectRef>
+          <a:fontRef idx="minor">
+            <a:schemeClr val="lt1"/>
+          </a:fontRef>
+        </p:style>
+        <p:txBody>
+          <a:bodyPr rtlCol="0" anchor="ctr"/>
+          <a:lstStyle/>
+          <a:p>
+            <a:pPr algn="ctr"/>
+            <a:r>
+              <a:rPr lang="da-DK" sz="3200" smtClean="0"/>
+              <a:t>Miav</a:t>
+            </a:r>
+            <a:endParaRPr lang="da-DK" sz="3200"/>
+          </a:p>
+        </p:txBody>
+      </p:sp>
     </p:spTree>
     <p:extLst>
       <p:ext uri="{BB962C8B-B14F-4D97-AF65-F5344CB8AC3E}">
-        <p14:creationId xmlns:p14="http://schemas.microsoft.com/office/powerpoint/2010/main" val="4242242689"/>
+        <p14:creationId xmlns:p14="http://schemas.microsoft.com/office/powerpoint/2010/main" val="3223894132"/>
       </p:ext>
     </p:extLst>
   </p:cSld>
@@ -17898,6 +17059,968 @@
       </p:grpSpPr>
       <p:sp>
         <p:nvSpPr>
+          <p:cNvPr id="10" name="Afrundet rektangel 9"/>
+          <p:cNvSpPr/>
+          <p:nvPr/>
+        </p:nvSpPr>
+        <p:spPr>
+          <a:xfrm>
+            <a:off x="4477753" y="4361158"/>
+            <a:ext cx="2400614" cy="1389646"/>
+          </a:xfrm>
+          <a:prstGeom prst="roundRect">
+            <a:avLst/>
+          </a:prstGeom>
+          <a:solidFill>
+            <a:srgbClr val="0070C0"/>
+          </a:solidFill>
+        </p:spPr>
+        <p:style>
+          <a:lnRef idx="2">
+            <a:schemeClr val="accent1">
+              <a:shade val="50000"/>
+            </a:schemeClr>
+          </a:lnRef>
+          <a:fillRef idx="1">
+            <a:schemeClr val="accent1"/>
+          </a:fillRef>
+          <a:effectRef idx="0">
+            <a:schemeClr val="accent1"/>
+          </a:effectRef>
+          <a:fontRef idx="minor">
+            <a:schemeClr val="lt1"/>
+          </a:fontRef>
+        </p:style>
+        <p:txBody>
+          <a:bodyPr rtlCol="0" anchor="t"/>
+          <a:lstStyle/>
+          <a:p>
+            <a:pPr algn="ctr"/>
+            <a:r>
+              <a:rPr lang="da-DK" sz="3600" smtClean="0"/>
+              <a:t>Dog</a:t>
+            </a:r>
+          </a:p>
+          <a:p>
+            <a:endParaRPr lang="da-DK" sz="2800"/>
+          </a:p>
+        </p:txBody>
+      </p:sp>
+      <p:sp>
+        <p:nvSpPr>
+          <p:cNvPr id="4" name="Afrundet rektangel 3"/>
+          <p:cNvSpPr/>
+          <p:nvPr/>
+        </p:nvSpPr>
+        <p:spPr>
+          <a:xfrm>
+            <a:off x="2077139" y="296025"/>
+            <a:ext cx="2400614" cy="1123704"/>
+          </a:xfrm>
+          <a:prstGeom prst="roundRect">
+            <a:avLst/>
+          </a:prstGeom>
+          <a:solidFill>
+            <a:schemeClr val="accent6">
+              <a:lumMod val="75000"/>
+            </a:schemeClr>
+          </a:solidFill>
+        </p:spPr>
+        <p:style>
+          <a:lnRef idx="2">
+            <a:schemeClr val="accent1">
+              <a:shade val="50000"/>
+            </a:schemeClr>
+          </a:lnRef>
+          <a:fillRef idx="1">
+            <a:schemeClr val="accent1"/>
+          </a:fillRef>
+          <a:effectRef idx="0">
+            <a:schemeClr val="accent1"/>
+          </a:effectRef>
+          <a:fontRef idx="minor">
+            <a:schemeClr val="lt1"/>
+          </a:fontRef>
+        </p:style>
+        <p:txBody>
+          <a:bodyPr rtlCol="0" anchor="t"/>
+          <a:lstStyle/>
+          <a:p>
+            <a:pPr algn="ctr"/>
+            <a:r>
+              <a:rPr lang="da-DK" sz="3600" smtClean="0"/>
+              <a:t>IAnimal</a:t>
+            </a:r>
+          </a:p>
+          <a:p>
+            <a:endParaRPr lang="da-DK" sz="3600"/>
+          </a:p>
+        </p:txBody>
+      </p:sp>
+      <p:pic>
+        <p:nvPicPr>
+          <p:cNvPr id="8" name="Picture 2" descr="Billedresultat for tick icon"/>
+          <p:cNvPicPr>
+            <a:picLocks noChangeAspect="1" noChangeArrowheads="1"/>
+          </p:cNvPicPr>
+          <p:nvPr/>
+        </p:nvPicPr>
+        <p:blipFill>
+          <a:blip r:embed="rId2" cstate="print">
+            <a:extLst>
+              <a:ext uri="{28A0092B-C50C-407E-A947-70E740481C1C}">
+                <a14:useLocalDpi xmlns:a14="http://schemas.microsoft.com/office/drawing/2010/main" val="0"/>
+              </a:ext>
+            </a:extLst>
+          </a:blip>
+          <a:srcRect/>
+          <a:stretch>
+            <a:fillRect/>
+          </a:stretch>
+        </p:blipFill>
+        <p:spPr bwMode="auto">
+          <a:xfrm>
+            <a:off x="9669112" y="2170444"/>
+            <a:ext cx="1440000" cy="1440000"/>
+          </a:xfrm>
+          <a:prstGeom prst="rect">
+            <a:avLst/>
+          </a:prstGeom>
+          <a:noFill/>
+          <a:extLst>
+            <a:ext uri="{909E8E84-426E-40DD-AFC4-6F175D3DCCD1}">
+              <a14:hiddenFill xmlns:a14="http://schemas.microsoft.com/office/drawing/2010/main">
+                <a:solidFill>
+                  <a:srgbClr val="FFFFFF"/>
+                </a:solidFill>
+              </a14:hiddenFill>
+            </a:ext>
+          </a:extLst>
+        </p:spPr>
+      </p:pic>
+      <p:cxnSp>
+        <p:nvCxnSpPr>
+          <p:cNvPr id="3" name="Vinklet forbindelse 2"/>
+          <p:cNvCxnSpPr>
+            <a:stCxn id="10" idx="0"/>
+            <a:endCxn id="4" idx="2"/>
+          </p:cNvCxnSpPr>
+          <p:nvPr/>
+        </p:nvCxnSpPr>
+        <p:spPr>
+          <a:xfrm rot="16200000" flipV="1">
+            <a:off x="3007039" y="1690137"/>
+            <a:ext cx="2941429" cy="2400614"/>
+          </a:xfrm>
+          <a:prstGeom prst="bentConnector3">
+            <a:avLst>
+              <a:gd name="adj1" fmla="val 50000"/>
+            </a:avLst>
+          </a:prstGeom>
+          <a:ln w="76200">
+            <a:solidFill>
+              <a:schemeClr val="tx1"/>
+            </a:solidFill>
+            <a:headEnd w="lg" len="lg"/>
+            <a:tailEnd type="triangle" w="lg" len="lg"/>
+          </a:ln>
+        </p:spPr>
+        <p:style>
+          <a:lnRef idx="1">
+            <a:schemeClr val="accent1"/>
+          </a:lnRef>
+          <a:fillRef idx="0">
+            <a:schemeClr val="accent1"/>
+          </a:fillRef>
+          <a:effectRef idx="0">
+            <a:schemeClr val="accent1"/>
+          </a:effectRef>
+          <a:fontRef idx="minor">
+            <a:schemeClr val="tx1"/>
+          </a:fontRef>
+        </p:style>
+      </p:cxnSp>
+      <p:cxnSp>
+        <p:nvCxnSpPr>
+          <p:cNvPr id="14" name="Vinklet forbindelse 13"/>
+          <p:cNvCxnSpPr>
+            <a:stCxn id="10" idx="0"/>
+            <a:endCxn id="9" idx="2"/>
+          </p:cNvCxnSpPr>
+          <p:nvPr/>
+        </p:nvCxnSpPr>
+        <p:spPr>
+          <a:xfrm rot="5400000" flipH="1" flipV="1">
+            <a:off x="5407653" y="1690137"/>
+            <a:ext cx="2941429" cy="2400614"/>
+          </a:xfrm>
+          <a:prstGeom prst="bentConnector3">
+            <a:avLst>
+              <a:gd name="adj1" fmla="val 50000"/>
+            </a:avLst>
+          </a:prstGeom>
+          <a:ln w="76200">
+            <a:solidFill>
+              <a:schemeClr val="tx1"/>
+            </a:solidFill>
+            <a:headEnd w="lg" len="lg"/>
+            <a:tailEnd type="triangle" w="lg" len="lg"/>
+          </a:ln>
+        </p:spPr>
+        <p:style>
+          <a:lnRef idx="1">
+            <a:schemeClr val="accent1"/>
+          </a:lnRef>
+          <a:fillRef idx="0">
+            <a:schemeClr val="accent1"/>
+          </a:fillRef>
+          <a:effectRef idx="0">
+            <a:schemeClr val="accent1"/>
+          </a:effectRef>
+          <a:fontRef idx="minor">
+            <a:schemeClr val="tx1"/>
+          </a:fontRef>
+        </p:style>
+      </p:cxnSp>
+      <p:sp>
+        <p:nvSpPr>
+          <p:cNvPr id="9" name="Afrundet rektangel 8"/>
+          <p:cNvSpPr/>
+          <p:nvPr/>
+        </p:nvSpPr>
+        <p:spPr>
+          <a:xfrm>
+            <a:off x="6878367" y="296025"/>
+            <a:ext cx="2400614" cy="1123704"/>
+          </a:xfrm>
+          <a:prstGeom prst="roundRect">
+            <a:avLst/>
+          </a:prstGeom>
+          <a:solidFill>
+            <a:schemeClr val="tx1">
+              <a:lumMod val="65000"/>
+              <a:lumOff val="35000"/>
+            </a:schemeClr>
+          </a:solidFill>
+        </p:spPr>
+        <p:style>
+          <a:lnRef idx="2">
+            <a:schemeClr val="accent1">
+              <a:shade val="50000"/>
+            </a:schemeClr>
+          </a:lnRef>
+          <a:fillRef idx="1">
+            <a:schemeClr val="accent1"/>
+          </a:fillRef>
+          <a:effectRef idx="0">
+            <a:schemeClr val="accent1"/>
+          </a:effectRef>
+          <a:fontRef idx="minor">
+            <a:schemeClr val="lt1"/>
+          </a:fontRef>
+        </p:style>
+        <p:txBody>
+          <a:bodyPr rtlCol="0" anchor="t"/>
+          <a:lstStyle/>
+          <a:p>
+            <a:pPr algn="ctr"/>
+            <a:r>
+              <a:rPr lang="da-DK" sz="3600" smtClean="0"/>
+              <a:t>ISaveable</a:t>
+            </a:r>
+          </a:p>
+          <a:p>
+            <a:endParaRPr lang="da-DK" sz="3600"/>
+          </a:p>
+        </p:txBody>
+      </p:sp>
+    </p:spTree>
+    <p:extLst>
+      <p:ext uri="{BB962C8B-B14F-4D97-AF65-F5344CB8AC3E}">
+        <p14:creationId xmlns:p14="http://schemas.microsoft.com/office/powerpoint/2010/main" val="2803232316"/>
+      </p:ext>
+    </p:extLst>
+  </p:cSld>
+  <p:clrMapOvr>
+    <a:masterClrMapping/>
+  </p:clrMapOvr>
+  <mc:AlternateContent xmlns:mc="http://schemas.openxmlformats.org/markup-compatibility/2006" xmlns:p14="http://schemas.microsoft.com/office/powerpoint/2010/main">
+    <mc:Choice Requires="p14">
+      <p:transition p14:dur="0"/>
+    </mc:Choice>
+    <mc:Fallback xmlns="">
+      <p:transition/>
+    </mc:Fallback>
+  </mc:AlternateContent>
+  <p:timing>
+    <p:tnLst>
+      <p:par>
+        <p:cTn id="1" dur="indefinite" restart="never" nodeType="tmRoot">
+          <p:childTnLst>
+            <p:seq concurrent="1" nextAc="seek">
+              <p:cTn id="2" dur="indefinite" nodeType="mainSeq">
+                <p:childTnLst>
+                  <p:par>
+                    <p:cTn id="3" fill="hold">
+                      <p:stCondLst>
+                        <p:cond delay="indefinite"/>
+                      </p:stCondLst>
+                      <p:childTnLst>
+                        <p:par>
+                          <p:cTn id="4" fill="hold">
+                            <p:stCondLst>
+                              <p:cond delay="0"/>
+                            </p:stCondLst>
+                            <p:childTnLst>
+                              <p:par>
+                                <p:cTn id="5" presetID="10" presetClass="entr" presetSubtype="0" fill="hold" nodeType="clickEffect">
+                                  <p:stCondLst>
+                                    <p:cond delay="0"/>
+                                  </p:stCondLst>
+                                  <p:childTnLst>
+                                    <p:set>
+                                      <p:cBhvr>
+                                        <p:cTn id="6" dur="1" fill="hold">
+                                          <p:stCondLst>
+                                            <p:cond delay="0"/>
+                                          </p:stCondLst>
+                                        </p:cTn>
+                                        <p:tgtEl>
+                                          <p:spTgt spid="14"/>
+                                        </p:tgtEl>
+                                        <p:attrNameLst>
+                                          <p:attrName>style.visibility</p:attrName>
+                                        </p:attrNameLst>
+                                      </p:cBhvr>
+                                      <p:to>
+                                        <p:strVal val="visible"/>
+                                      </p:to>
+                                    </p:set>
+                                    <p:animEffect transition="in" filter="fade">
+                                      <p:cBhvr>
+                                        <p:cTn id="7" dur="500"/>
+                                        <p:tgtEl>
+                                          <p:spTgt spid="14"/>
+                                        </p:tgtEl>
+                                      </p:cBhvr>
+                                    </p:animEffect>
+                                  </p:childTnLst>
+                                </p:cTn>
+                              </p:par>
+                              <p:par>
+                                <p:cTn id="8" presetID="10" presetClass="entr" presetSubtype="0" fill="hold" grpId="0" nodeType="withEffect">
+                                  <p:stCondLst>
+                                    <p:cond delay="0"/>
+                                  </p:stCondLst>
+                                  <p:childTnLst>
+                                    <p:set>
+                                      <p:cBhvr>
+                                        <p:cTn id="9" dur="1" fill="hold">
+                                          <p:stCondLst>
+                                            <p:cond delay="0"/>
+                                          </p:stCondLst>
+                                        </p:cTn>
+                                        <p:tgtEl>
+                                          <p:spTgt spid="9"/>
+                                        </p:tgtEl>
+                                        <p:attrNameLst>
+                                          <p:attrName>style.visibility</p:attrName>
+                                        </p:attrNameLst>
+                                      </p:cBhvr>
+                                      <p:to>
+                                        <p:strVal val="visible"/>
+                                      </p:to>
+                                    </p:set>
+                                    <p:animEffect transition="in" filter="fade">
+                                      <p:cBhvr>
+                                        <p:cTn id="10" dur="500"/>
+                                        <p:tgtEl>
+                                          <p:spTgt spid="9"/>
+                                        </p:tgtEl>
+                                      </p:cBhvr>
+                                    </p:animEffect>
+                                  </p:childTnLst>
+                                </p:cTn>
+                              </p:par>
+                            </p:childTnLst>
+                          </p:cTn>
+                        </p:par>
+                      </p:childTnLst>
+                    </p:cTn>
+                  </p:par>
+                  <p:par>
+                    <p:cTn id="11" fill="hold">
+                      <p:stCondLst>
+                        <p:cond delay="indefinite"/>
+                      </p:stCondLst>
+                      <p:childTnLst>
+                        <p:par>
+                          <p:cTn id="12" fill="hold">
+                            <p:stCondLst>
+                              <p:cond delay="0"/>
+                            </p:stCondLst>
+                            <p:childTnLst>
+                              <p:par>
+                                <p:cTn id="13" presetID="10" presetClass="entr" presetSubtype="0" fill="hold" nodeType="clickEffect">
+                                  <p:stCondLst>
+                                    <p:cond delay="0"/>
+                                  </p:stCondLst>
+                                  <p:childTnLst>
+                                    <p:set>
+                                      <p:cBhvr>
+                                        <p:cTn id="14" dur="1" fill="hold">
+                                          <p:stCondLst>
+                                            <p:cond delay="0"/>
+                                          </p:stCondLst>
+                                        </p:cTn>
+                                        <p:tgtEl>
+                                          <p:spTgt spid="8"/>
+                                        </p:tgtEl>
+                                        <p:attrNameLst>
+                                          <p:attrName>style.visibility</p:attrName>
+                                        </p:attrNameLst>
+                                      </p:cBhvr>
+                                      <p:to>
+                                        <p:strVal val="visible"/>
+                                      </p:to>
+                                    </p:set>
+                                    <p:animEffect transition="in" filter="fade">
+                                      <p:cBhvr>
+                                        <p:cTn id="15" dur="500"/>
+                                        <p:tgtEl>
+                                          <p:spTgt spid="8"/>
+                                        </p:tgtEl>
+                                      </p:cBhvr>
+                                    </p:animEffect>
+                                  </p:childTnLst>
+                                </p:cTn>
+                              </p:par>
+                            </p:childTnLst>
+                          </p:cTn>
+                        </p:par>
+                      </p:childTnLst>
+                    </p:cTn>
+                  </p:par>
+                </p:childTnLst>
+              </p:cTn>
+              <p:prevCondLst>
+                <p:cond evt="onPrev" delay="0">
+                  <p:tgtEl>
+                    <p:sldTgt/>
+                  </p:tgtEl>
+                </p:cond>
+              </p:prevCondLst>
+              <p:nextCondLst>
+                <p:cond evt="onNext" delay="0">
+                  <p:tgtEl>
+                    <p:sldTgt/>
+                  </p:tgtEl>
+                </p:cond>
+              </p:nextCondLst>
+            </p:seq>
+          </p:childTnLst>
+        </p:cTn>
+      </p:par>
+    </p:tnLst>
+    <p:bldLst>
+      <p:bldP spid="9" grpId="0" animBg="1"/>
+    </p:bldLst>
+  </p:timing>
+</p:sld>
+</file>
+
+<file path=ppt/slides/slide42.xml><?xml version="1.0" encoding="utf-8"?>
+<p:sld xmlns:a="http://schemas.openxmlformats.org/drawingml/2006/main" xmlns:r="http://schemas.openxmlformats.org/officeDocument/2006/relationships" xmlns:p="http://schemas.openxmlformats.org/presentationml/2006/main">
+  <p:cSld>
+    <p:spTree>
+      <p:nvGrpSpPr>
+        <p:cNvPr id="1" name=""/>
+        <p:cNvGrpSpPr/>
+        <p:nvPr/>
+      </p:nvGrpSpPr>
+      <p:grpSpPr>
+        <a:xfrm>
+          <a:off x="0" y="0"/>
+          <a:ext cx="0" cy="0"/>
+          <a:chOff x="0" y="0"/>
+          <a:chExt cx="0" cy="0"/>
+        </a:xfrm>
+      </p:grpSpPr>
+      <p:sp>
+        <p:nvSpPr>
+          <p:cNvPr id="2" name="Titel 1"/>
+          <p:cNvSpPr>
+            <a:spLocks noGrp="1"/>
+          </p:cNvSpPr>
+          <p:nvPr>
+            <p:ph type="ctrTitle"/>
+          </p:nvPr>
+        </p:nvSpPr>
+        <p:spPr>
+          <a:xfrm>
+            <a:off x="1175085" y="1910432"/>
+            <a:ext cx="9144000" cy="2387600"/>
+          </a:xfrm>
+        </p:spPr>
+        <p:txBody>
+          <a:bodyPr>
+            <a:normAutofit/>
+          </a:bodyPr>
+          <a:lstStyle/>
+          <a:p>
+            <a:r>
+              <a:rPr lang="da-DK" sz="9600" smtClean="0"/>
+              <a:t>OOP.2.4</a:t>
+            </a:r>
+            <a:endParaRPr lang="da-DK" sz="9600"/>
+          </a:p>
+        </p:txBody>
+      </p:sp>
+    </p:spTree>
+    <p:extLst>
+      <p:ext uri="{BB962C8B-B14F-4D97-AF65-F5344CB8AC3E}">
+        <p14:creationId xmlns:p14="http://schemas.microsoft.com/office/powerpoint/2010/main" val="3661498170"/>
+      </p:ext>
+    </p:extLst>
+  </p:cSld>
+  <p:clrMapOvr>
+    <a:masterClrMapping/>
+  </p:clrMapOvr>
+  <p:timing>
+    <p:tnLst>
+      <p:par>
+        <p:cTn id="1" dur="indefinite" restart="never" nodeType="tmRoot"/>
+      </p:par>
+    </p:tnLst>
+  </p:timing>
+</p:sld>
+</file>
+
+<file path=ppt/slides/slide43.xml><?xml version="1.0" encoding="utf-8"?>
+<p:sld xmlns:a="http://schemas.openxmlformats.org/drawingml/2006/main" xmlns:r="http://schemas.openxmlformats.org/officeDocument/2006/relationships" xmlns:p="http://schemas.openxmlformats.org/presentationml/2006/main">
+  <p:cSld>
+    <p:spTree>
+      <p:nvGrpSpPr>
+        <p:cNvPr id="1" name=""/>
+        <p:cNvGrpSpPr/>
+        <p:nvPr/>
+      </p:nvGrpSpPr>
+      <p:grpSpPr>
+        <a:xfrm>
+          <a:off x="0" y="0"/>
+          <a:ext cx="0" cy="0"/>
+          <a:chOff x="0" y="0"/>
+          <a:chExt cx="0" cy="0"/>
+        </a:xfrm>
+      </p:grpSpPr>
+      <p:sp>
+        <p:nvSpPr>
+          <p:cNvPr id="10" name="Afrundet rektangel 9"/>
+          <p:cNvSpPr/>
+          <p:nvPr/>
+        </p:nvSpPr>
+        <p:spPr>
+          <a:xfrm>
+            <a:off x="4477753" y="4037598"/>
+            <a:ext cx="2400614" cy="1389646"/>
+          </a:xfrm>
+          <a:prstGeom prst="roundRect">
+            <a:avLst/>
+          </a:prstGeom>
+          <a:solidFill>
+            <a:schemeClr val="accent6">
+              <a:lumMod val="75000"/>
+            </a:schemeClr>
+          </a:solidFill>
+        </p:spPr>
+        <p:style>
+          <a:lnRef idx="2">
+            <a:schemeClr val="accent1">
+              <a:shade val="50000"/>
+            </a:schemeClr>
+          </a:lnRef>
+          <a:fillRef idx="1">
+            <a:schemeClr val="accent1"/>
+          </a:fillRef>
+          <a:effectRef idx="0">
+            <a:schemeClr val="accent1"/>
+          </a:effectRef>
+          <a:fontRef idx="minor">
+            <a:schemeClr val="lt1"/>
+          </a:fontRef>
+        </p:style>
+        <p:txBody>
+          <a:bodyPr rtlCol="0" anchor="t"/>
+          <a:lstStyle/>
+          <a:p>
+            <a:pPr algn="ctr"/>
+            <a:r>
+              <a:rPr lang="da-DK" sz="3600" smtClean="0"/>
+              <a:t>Animal</a:t>
+            </a:r>
+          </a:p>
+          <a:p>
+            <a:endParaRPr lang="da-DK" sz="2800"/>
+          </a:p>
+        </p:txBody>
+      </p:sp>
+      <p:sp>
+        <p:nvSpPr>
+          <p:cNvPr id="4" name="Afrundet rektangel 3"/>
+          <p:cNvSpPr/>
+          <p:nvPr/>
+        </p:nvSpPr>
+        <p:spPr>
+          <a:xfrm>
+            <a:off x="4477753" y="363758"/>
+            <a:ext cx="2400614" cy="1123704"/>
+          </a:xfrm>
+          <a:prstGeom prst="roundRect">
+            <a:avLst/>
+          </a:prstGeom>
+          <a:solidFill>
+            <a:schemeClr val="accent4">
+              <a:lumMod val="50000"/>
+            </a:schemeClr>
+          </a:solidFill>
+        </p:spPr>
+        <p:style>
+          <a:lnRef idx="2">
+            <a:schemeClr val="accent1">
+              <a:shade val="50000"/>
+            </a:schemeClr>
+          </a:lnRef>
+          <a:fillRef idx="1">
+            <a:schemeClr val="accent1"/>
+          </a:fillRef>
+          <a:effectRef idx="0">
+            <a:schemeClr val="accent1"/>
+          </a:effectRef>
+          <a:fontRef idx="minor">
+            <a:schemeClr val="lt1"/>
+          </a:fontRef>
+        </p:style>
+        <p:txBody>
+          <a:bodyPr rtlCol="0" anchor="t"/>
+          <a:lstStyle/>
+          <a:p>
+            <a:pPr algn="ctr"/>
+            <a:r>
+              <a:rPr lang="da-DK" sz="3600" smtClean="0"/>
+              <a:t>Object</a:t>
+            </a:r>
+          </a:p>
+          <a:p>
+            <a:endParaRPr lang="da-DK" sz="3600"/>
+          </a:p>
+        </p:txBody>
+      </p:sp>
+      <p:cxnSp>
+        <p:nvCxnSpPr>
+          <p:cNvPr id="11" name="Lige pilforbindelse 10"/>
+          <p:cNvCxnSpPr>
+            <a:stCxn id="10" idx="0"/>
+            <a:endCxn id="4" idx="2"/>
+          </p:cNvCxnSpPr>
+          <p:nvPr/>
+        </p:nvCxnSpPr>
+        <p:spPr>
+          <a:xfrm flipV="1">
+            <a:off x="5678060" y="1487462"/>
+            <a:ext cx="0" cy="2550136"/>
+          </a:xfrm>
+          <a:prstGeom prst="straightConnector1">
+            <a:avLst/>
+          </a:prstGeom>
+          <a:ln w="76200">
+            <a:solidFill>
+              <a:schemeClr val="tx1"/>
+            </a:solidFill>
+            <a:headEnd type="none" w="lg" len="lg"/>
+            <a:tailEnd type="triangle" w="lg" len="lg"/>
+          </a:ln>
+        </p:spPr>
+        <p:style>
+          <a:lnRef idx="1">
+            <a:schemeClr val="accent1"/>
+          </a:lnRef>
+          <a:fillRef idx="0">
+            <a:schemeClr val="accent1"/>
+          </a:fillRef>
+          <a:effectRef idx="0">
+            <a:schemeClr val="accent1"/>
+          </a:effectRef>
+          <a:fontRef idx="minor">
+            <a:schemeClr val="tx1"/>
+          </a:fontRef>
+        </p:style>
+      </p:cxnSp>
+    </p:spTree>
+    <p:extLst>
+      <p:ext uri="{BB962C8B-B14F-4D97-AF65-F5344CB8AC3E}">
+        <p14:creationId xmlns:p14="http://schemas.microsoft.com/office/powerpoint/2010/main" val="3220722539"/>
+      </p:ext>
+    </p:extLst>
+  </p:cSld>
+  <p:clrMapOvr>
+    <a:masterClrMapping/>
+  </p:clrMapOvr>
+  <mc:AlternateContent xmlns:mc="http://schemas.openxmlformats.org/markup-compatibility/2006" xmlns:p14="http://schemas.microsoft.com/office/powerpoint/2010/main">
+    <mc:Choice Requires="p14">
+      <p:transition p14:dur="0"/>
+    </mc:Choice>
+    <mc:Fallback xmlns="">
+      <p:transition/>
+    </mc:Fallback>
+  </mc:AlternateContent>
+  <p:timing>
+    <p:tnLst>
+      <p:par>
+        <p:cTn id="1" dur="indefinite" restart="never" nodeType="tmRoot"/>
+      </p:par>
+    </p:tnLst>
+  </p:timing>
+</p:sld>
+</file>
+
+<file path=ppt/slides/slide44.xml><?xml version="1.0" encoding="utf-8"?>
+<p:sld xmlns:a="http://schemas.openxmlformats.org/drawingml/2006/main" xmlns:r="http://schemas.openxmlformats.org/officeDocument/2006/relationships" xmlns:p="http://schemas.openxmlformats.org/presentationml/2006/main">
+  <p:cSld>
+    <p:spTree>
+      <p:nvGrpSpPr>
+        <p:cNvPr id="1" name=""/>
+        <p:cNvGrpSpPr/>
+        <p:nvPr/>
+      </p:nvGrpSpPr>
+      <p:grpSpPr>
+        <a:xfrm>
+          <a:off x="0" y="0"/>
+          <a:ext cx="0" cy="0"/>
+          <a:chOff x="0" y="0"/>
+          <a:chExt cx="0" cy="0"/>
+        </a:xfrm>
+      </p:grpSpPr>
+      <p:sp>
+        <p:nvSpPr>
+          <p:cNvPr id="10" name="Afrundet rektangel 9"/>
+          <p:cNvSpPr/>
+          <p:nvPr/>
+        </p:nvSpPr>
+        <p:spPr>
+          <a:xfrm>
+            <a:off x="4477753" y="4037598"/>
+            <a:ext cx="2400614" cy="1389646"/>
+          </a:xfrm>
+          <a:prstGeom prst="roundRect">
+            <a:avLst/>
+          </a:prstGeom>
+          <a:solidFill>
+            <a:schemeClr val="accent6">
+              <a:lumMod val="75000"/>
+            </a:schemeClr>
+          </a:solidFill>
+        </p:spPr>
+        <p:style>
+          <a:lnRef idx="2">
+            <a:schemeClr val="accent1">
+              <a:shade val="50000"/>
+            </a:schemeClr>
+          </a:lnRef>
+          <a:fillRef idx="1">
+            <a:schemeClr val="accent1"/>
+          </a:fillRef>
+          <a:effectRef idx="0">
+            <a:schemeClr val="accent1"/>
+          </a:effectRef>
+          <a:fontRef idx="minor">
+            <a:schemeClr val="lt1"/>
+          </a:fontRef>
+        </p:style>
+        <p:txBody>
+          <a:bodyPr rtlCol="0" anchor="t"/>
+          <a:lstStyle/>
+          <a:p>
+            <a:pPr algn="ctr"/>
+            <a:r>
+              <a:rPr lang="da-DK" sz="3600" smtClean="0"/>
+              <a:t>Animal</a:t>
+            </a:r>
+          </a:p>
+          <a:p>
+            <a:endParaRPr lang="da-DK" sz="2800"/>
+          </a:p>
+        </p:txBody>
+      </p:sp>
+      <p:sp>
+        <p:nvSpPr>
+          <p:cNvPr id="4" name="Afrundet rektangel 3"/>
+          <p:cNvSpPr/>
+          <p:nvPr/>
+        </p:nvSpPr>
+        <p:spPr>
+          <a:xfrm>
+            <a:off x="4477753" y="363758"/>
+            <a:ext cx="2400614" cy="2792616"/>
+          </a:xfrm>
+          <a:prstGeom prst="roundRect">
+            <a:avLst/>
+          </a:prstGeom>
+          <a:solidFill>
+            <a:schemeClr val="accent4">
+              <a:lumMod val="50000"/>
+            </a:schemeClr>
+          </a:solidFill>
+        </p:spPr>
+        <p:style>
+          <a:lnRef idx="2">
+            <a:schemeClr val="accent1">
+              <a:shade val="50000"/>
+            </a:schemeClr>
+          </a:lnRef>
+          <a:fillRef idx="1">
+            <a:schemeClr val="accent1"/>
+          </a:fillRef>
+          <a:effectRef idx="0">
+            <a:schemeClr val="accent1"/>
+          </a:effectRef>
+          <a:fontRef idx="minor">
+            <a:schemeClr val="lt1"/>
+          </a:fontRef>
+        </p:style>
+        <p:txBody>
+          <a:bodyPr rtlCol="0" anchor="t"/>
+          <a:lstStyle/>
+          <a:p>
+            <a:pPr algn="ctr"/>
+            <a:r>
+              <a:rPr lang="da-DK" sz="3600" smtClean="0"/>
+              <a:t>Object</a:t>
+            </a:r>
+          </a:p>
+          <a:p>
+            <a:r>
+              <a:rPr lang="da-DK" sz="2400" smtClean="0"/>
+              <a:t>Equals</a:t>
+            </a:r>
+          </a:p>
+          <a:p>
+            <a:r>
+              <a:rPr lang="da-DK" sz="2400" smtClean="0"/>
+              <a:t>GetHashCode</a:t>
+            </a:r>
+          </a:p>
+          <a:p>
+            <a:r>
+              <a:rPr lang="da-DK" sz="2400" smtClean="0"/>
+              <a:t>ToString</a:t>
+            </a:r>
+          </a:p>
+          <a:p>
+            <a:r>
+              <a:rPr lang="da-DK" sz="2400" smtClean="0"/>
+              <a:t>…</a:t>
+            </a:r>
+          </a:p>
+          <a:p>
+            <a:pPr algn="ctr"/>
+            <a:endParaRPr lang="da-DK" sz="3600" smtClean="0"/>
+          </a:p>
+          <a:p>
+            <a:endParaRPr lang="da-DK" sz="3600"/>
+          </a:p>
+        </p:txBody>
+      </p:sp>
+      <p:cxnSp>
+        <p:nvCxnSpPr>
+          <p:cNvPr id="11" name="Lige pilforbindelse 10"/>
+          <p:cNvCxnSpPr>
+            <a:stCxn id="10" idx="0"/>
+            <a:endCxn id="4" idx="2"/>
+          </p:cNvCxnSpPr>
+          <p:nvPr/>
+        </p:nvCxnSpPr>
+        <p:spPr>
+          <a:xfrm flipV="1">
+            <a:off x="5678060" y="3156374"/>
+            <a:ext cx="0" cy="881224"/>
+          </a:xfrm>
+          <a:prstGeom prst="straightConnector1">
+            <a:avLst/>
+          </a:prstGeom>
+          <a:ln w="76200">
+            <a:solidFill>
+              <a:schemeClr val="tx1"/>
+            </a:solidFill>
+            <a:headEnd type="none" w="lg" len="lg"/>
+            <a:tailEnd type="triangle" w="lg" len="lg"/>
+          </a:ln>
+        </p:spPr>
+        <p:style>
+          <a:lnRef idx="1">
+            <a:schemeClr val="accent1"/>
+          </a:lnRef>
+          <a:fillRef idx="0">
+            <a:schemeClr val="accent1"/>
+          </a:fillRef>
+          <a:effectRef idx="0">
+            <a:schemeClr val="accent1"/>
+          </a:effectRef>
+          <a:fontRef idx="minor">
+            <a:schemeClr val="tx1"/>
+          </a:fontRef>
+        </p:style>
+      </p:cxnSp>
+    </p:spTree>
+    <p:extLst>
+      <p:ext uri="{BB962C8B-B14F-4D97-AF65-F5344CB8AC3E}">
+        <p14:creationId xmlns:p14="http://schemas.microsoft.com/office/powerpoint/2010/main" val="4242242689"/>
+      </p:ext>
+    </p:extLst>
+  </p:cSld>
+  <p:clrMapOvr>
+    <a:masterClrMapping/>
+  </p:clrMapOvr>
+  <mc:AlternateContent xmlns:mc="http://schemas.openxmlformats.org/markup-compatibility/2006" xmlns:p14="http://schemas.microsoft.com/office/powerpoint/2010/main">
+    <mc:Choice Requires="p14">
+      <p:transition spd="med" p14:dur="700">
+        <p:fade/>
+      </p:transition>
+    </mc:Choice>
+    <mc:Fallback xmlns="">
+      <p:transition spd="med">
+        <p:fade/>
+      </p:transition>
+    </mc:Fallback>
+  </mc:AlternateContent>
+  <p:timing>
+    <p:tnLst>
+      <p:par>
+        <p:cTn id="1" dur="indefinite" restart="never" nodeType="tmRoot"/>
+      </p:par>
+    </p:tnLst>
+  </p:timing>
+</p:sld>
+</file>
+
+<file path=ppt/slides/slide45.xml><?xml version="1.0" encoding="utf-8"?>
+<p:sld xmlns:a="http://schemas.openxmlformats.org/drawingml/2006/main" xmlns:r="http://schemas.openxmlformats.org/officeDocument/2006/relationships" xmlns:p="http://schemas.openxmlformats.org/presentationml/2006/main">
+  <p:cSld>
+    <p:spTree>
+      <p:nvGrpSpPr>
+        <p:cNvPr id="1" name=""/>
+        <p:cNvGrpSpPr/>
+        <p:nvPr/>
+      </p:nvGrpSpPr>
+      <p:grpSpPr>
+        <a:xfrm>
+          <a:off x="0" y="0"/>
+          <a:ext cx="0" cy="0"/>
+          <a:chOff x="0" y="0"/>
+          <a:chExt cx="0" cy="0"/>
+        </a:xfrm>
+      </p:grpSpPr>
+      <p:sp>
+        <p:nvSpPr>
           <p:cNvPr id="8" name="Tekstfelt 7"/>
           <p:cNvSpPr txBox="1"/>
           <p:nvPr/>
@@ -18279,7 +18402,6 @@
               <a:rPr lang="da-DK" sz="3200" smtClean="0"/>
               <a:t>Object</a:t>
             </a:r>
-            <a:endParaRPr lang="da-DK" sz="3200" smtClean="0"/>
           </a:p>
           <a:p>
             <a:endParaRPr lang="da-DK" sz="3600"/>
@@ -18308,6 +18430,73 @@
       </p:transition>
     </mc:Fallback>
   </mc:AlternateContent>
+  <p:timing>
+    <p:tnLst>
+      <p:par>
+        <p:cTn id="1" dur="indefinite" restart="never" nodeType="tmRoot"/>
+      </p:par>
+    </p:tnLst>
+  </p:timing>
+</p:sld>
+</file>
+
+<file path=ppt/slides/slide46.xml><?xml version="1.0" encoding="utf-8"?>
+<p:sld xmlns:a="http://schemas.openxmlformats.org/drawingml/2006/main" xmlns:r="http://schemas.openxmlformats.org/officeDocument/2006/relationships" xmlns:p="http://schemas.openxmlformats.org/presentationml/2006/main">
+  <p:cSld>
+    <p:spTree>
+      <p:nvGrpSpPr>
+        <p:cNvPr id="1" name=""/>
+        <p:cNvGrpSpPr/>
+        <p:nvPr/>
+      </p:nvGrpSpPr>
+      <p:grpSpPr>
+        <a:xfrm>
+          <a:off x="0" y="0"/>
+          <a:ext cx="0" cy="0"/>
+          <a:chOff x="0" y="0"/>
+          <a:chExt cx="0" cy="0"/>
+        </a:xfrm>
+      </p:grpSpPr>
+      <p:sp>
+        <p:nvSpPr>
+          <p:cNvPr id="2" name="Titel 1"/>
+          <p:cNvSpPr>
+            <a:spLocks noGrp="1"/>
+          </p:cNvSpPr>
+          <p:nvPr>
+            <p:ph type="ctrTitle"/>
+          </p:nvPr>
+        </p:nvSpPr>
+        <p:spPr>
+          <a:xfrm>
+            <a:off x="1175085" y="1910432"/>
+            <a:ext cx="9144000" cy="2387600"/>
+          </a:xfrm>
+        </p:spPr>
+        <p:txBody>
+          <a:bodyPr>
+            <a:normAutofit/>
+          </a:bodyPr>
+          <a:lstStyle/>
+          <a:p>
+            <a:r>
+              <a:rPr lang="da-DK" sz="9600" smtClean="0"/>
+              <a:t>OOP.2.5</a:t>
+            </a:r>
+            <a:endParaRPr lang="da-DK" sz="9600"/>
+          </a:p>
+        </p:txBody>
+      </p:sp>
+    </p:spTree>
+    <p:extLst>
+      <p:ext uri="{BB962C8B-B14F-4D97-AF65-F5344CB8AC3E}">
+        <p14:creationId xmlns:p14="http://schemas.microsoft.com/office/powerpoint/2010/main" val="2447479807"/>
+      </p:ext>
+    </p:extLst>
+  </p:cSld>
+  <p:clrMapOvr>
+    <a:masterClrMapping/>
+  </p:clrMapOvr>
   <p:timing>
     <p:tnLst>
       <p:par>
@@ -18378,7 +18567,6 @@
               <a:rPr lang="da-DK" sz="5400" smtClean="0"/>
               <a:t>Dog</a:t>
             </a:r>
-            <a:endParaRPr lang="da-DK" sz="5400" smtClean="0"/>
           </a:p>
           <a:p>
             <a:endParaRPr lang="da-DK" sz="2800"/>
@@ -18428,7 +18616,6 @@
               <a:rPr lang="da-DK" sz="5400" smtClean="0"/>
               <a:t>Cat</a:t>
             </a:r>
-            <a:endParaRPr lang="da-DK" sz="5400" smtClean="0"/>
           </a:p>
           <a:p>
             <a:endParaRPr lang="da-DK" sz="2800"/>
@@ -18445,11 +18632,11 @@
   <p:clrMapOvr>
     <a:masterClrMapping/>
   </p:clrMapOvr>
-  <mc:AlternateContent xmlns:mc="http://schemas.openxmlformats.org/markup-compatibility/2006">
-    <mc:Choice xmlns:p14="http://schemas.microsoft.com/office/powerpoint/2010/main" Requires="p14">
+  <mc:AlternateContent xmlns:mc="http://schemas.openxmlformats.org/markup-compatibility/2006" xmlns:p14="http://schemas.microsoft.com/office/powerpoint/2010/main">
+    <mc:Choice Requires="p14">
       <p:transition p14:dur="0"/>
     </mc:Choice>
-    <mc:Fallback>
+    <mc:Fallback xmlns="">
       <p:transition/>
     </mc:Fallback>
   </mc:AlternateContent>
@@ -18618,7 +18805,6 @@
               <a:rPr lang="da-DK" sz="3600" smtClean="0"/>
               <a:t>(specific)</a:t>
             </a:r>
-            <a:endParaRPr lang="da-DK" sz="3600" smtClean="0"/>
           </a:p>
           <a:p>
             <a:endParaRPr lang="da-DK" sz="2800"/>
@@ -18675,7 +18861,6 @@
               <a:rPr lang="da-DK" sz="3600" smtClean="0"/>
               <a:t>(specific)</a:t>
             </a:r>
-            <a:endParaRPr lang="da-DK" sz="3600" smtClean="0"/>
           </a:p>
           <a:p>
             <a:endParaRPr lang="da-DK" sz="2800"/>
@@ -18727,7 +18912,6 @@
               <a:rPr lang="da-DK" sz="3600" smtClean="0"/>
               <a:t>Common</a:t>
             </a:r>
-            <a:endParaRPr lang="da-DK" sz="3600" smtClean="0"/>
           </a:p>
           <a:p>
             <a:endParaRPr lang="da-DK" sz="3600"/>
@@ -18779,7 +18963,6 @@
               <a:rPr lang="da-DK" sz="3600" smtClean="0"/>
               <a:t>Common</a:t>
             </a:r>
-            <a:endParaRPr lang="da-DK" sz="3600" smtClean="0"/>
           </a:p>
           <a:p>
             <a:endParaRPr lang="da-DK" sz="3600"/>
@@ -19264,7 +19447,6 @@
               <a:rPr lang="da-DK" sz="2400" smtClean="0"/>
               <a:t>bool _canHunt;</a:t>
             </a:r>
-            <a:endParaRPr lang="da-DK" sz="2400" smtClean="0"/>
           </a:p>
           <a:p>
             <a:endParaRPr lang="da-DK" sz="2800"/>
@@ -19361,7 +19543,6 @@
               <a:rPr lang="da-DK" sz="2800" smtClean="0"/>
               <a:t>int _age;</a:t>
             </a:r>
-            <a:endParaRPr lang="da-DK" sz="2800" smtClean="0"/>
           </a:p>
           <a:p>
             <a:endParaRPr lang="da-DK" sz="2800"/>
@@ -19412,7 +19593,6 @@
               <a:rPr lang="da-DK" sz="2800" smtClean="0"/>
               <a:t>int _age;</a:t>
             </a:r>
-            <a:endParaRPr lang="da-DK" sz="2800" smtClean="0"/>
           </a:p>
           <a:p>
             <a:endParaRPr lang="da-DK" sz="3600"/>
@@ -19559,7 +19739,6 @@
               <a:rPr lang="da-DK" sz="3600" smtClean="0"/>
               <a:t>(specific)</a:t>
             </a:r>
-            <a:endParaRPr lang="da-DK" sz="3600" smtClean="0"/>
           </a:p>
           <a:p>
             <a:endParaRPr lang="da-DK" sz="2800"/>
@@ -19616,7 +19795,6 @@
               <a:rPr lang="da-DK" sz="3600" smtClean="0"/>
               <a:t>(specific)</a:t>
             </a:r>
-            <a:endParaRPr lang="da-DK" sz="3600" smtClean="0"/>
           </a:p>
           <a:p>
             <a:endParaRPr lang="da-DK" sz="2800"/>
@@ -19675,7 +19853,6 @@
               <a:rPr lang="da-DK" sz="3600" smtClean="0"/>
               <a:t>(common)</a:t>
             </a:r>
-            <a:endParaRPr lang="da-DK" sz="3600" smtClean="0"/>
           </a:p>
           <a:p>
             <a:endParaRPr lang="da-DK" sz="3600"/>
@@ -20060,11 +20237,7 @@
           <a:p>
             <a:r>
               <a:rPr lang="da-DK" sz="2400"/>
-              <a:t>bool _</a:t>
-            </a:r>
-            <a:r>
-              <a:rPr lang="da-DK" sz="2400"/>
-              <a:t>canHunt</a:t>
+              <a:t>bool _canHunt</a:t>
             </a:r>
             <a:r>
               <a:rPr lang="da-DK" sz="2400" smtClean="0"/>
@@ -20116,7 +20289,6 @@
               <a:rPr lang="da-DK" sz="2400"/>
               <a:t>double _purrDB;</a:t>
             </a:r>
-            <a:endParaRPr lang="da-DK" sz="2400"/>
           </a:p>
         </p:txBody>
       </p:sp>
